--- a/báo cáo.pptx
+++ b/báo cáo.pptx
@@ -5,7 +5,7 @@
     <p:sldMasterId id="2147483648" r:id="rId1"/>
   </p:sldMasterIdLst>
   <p:notesMasterIdLst>
-    <p:notesMasterId r:id="rId9"/>
+    <p:notesMasterId r:id="rId12"/>
   </p:notesMasterIdLst>
   <p:sldIdLst>
     <p:sldId id="256" r:id="rId2"/>
@@ -15,6 +15,9 @@
     <p:sldId id="260" r:id="rId6"/>
     <p:sldId id="261" r:id="rId7"/>
     <p:sldId id="262" r:id="rId8"/>
+    <p:sldId id="263" r:id="rId9"/>
+    <p:sldId id="264" r:id="rId10"/>
+    <p:sldId id="265" r:id="rId11"/>
   </p:sldIdLst>
   <p:sldSz cx="12192000" cy="6858000"/>
   <p:notesSz cx="6858000" cy="9144000"/>
@@ -4910,7 +4913,7 @@
           <a:p>
             <a:fld id="{10011853-2FC4-45AF-89B8-415F31E3D0DD}" type="datetimeFigureOut">
               <a:rPr lang="en-US" smtClean="0"/>
-              <a:t>3/28/2020</a:t>
+              <a:t>3/31/2020</a:t>
             </a:fld>
             <a:endParaRPr lang="en-US"/>
           </a:p>
@@ -13050,6 +13053,78 @@
           <a:bodyPr/>
           <a:lstStyle/>
           <a:p>
+            <a:r>
+              <a:rPr lang="en-US" dirty="0" smtClean="0"/>
+              <a:t>456</a:t>
+            </a:r>
+            <a:r>
+              <a:rPr lang="en-US" baseline="0" dirty="0" smtClean="0"/>
+              <a:t> bits </a:t>
+            </a:r>
+            <a:r>
+              <a:rPr lang="en-US" baseline="0" dirty="0" err="1" smtClean="0"/>
+              <a:t>sẽ</a:t>
+            </a:r>
+            <a:r>
+              <a:rPr lang="en-US" baseline="0" dirty="0" smtClean="0"/>
+              <a:t> </a:t>
+            </a:r>
+            <a:r>
+              <a:rPr lang="en-US" baseline="0" dirty="0" err="1" smtClean="0"/>
+              <a:t>được</a:t>
+            </a:r>
+            <a:r>
+              <a:rPr lang="en-US" baseline="0" dirty="0" smtClean="0"/>
+              <a:t> chia </a:t>
+            </a:r>
+            <a:r>
+              <a:rPr lang="en-US" baseline="0" dirty="0" err="1" smtClean="0"/>
+              <a:t>thành</a:t>
+            </a:r>
+            <a:r>
+              <a:rPr lang="en-US" baseline="0" dirty="0" smtClean="0"/>
+              <a:t> 8 blocks, </a:t>
+            </a:r>
+            <a:r>
+              <a:rPr lang="en-US" baseline="0" dirty="0" err="1" smtClean="0"/>
+              <a:t>mỗi</a:t>
+            </a:r>
+            <a:r>
+              <a:rPr lang="en-US" baseline="0" dirty="0" smtClean="0"/>
+              <a:t> block </a:t>
+            </a:r>
+            <a:r>
+              <a:rPr lang="en-US" baseline="0" dirty="0" err="1" smtClean="0"/>
+              <a:t>gồm</a:t>
+            </a:r>
+            <a:r>
+              <a:rPr lang="en-US" baseline="0" dirty="0" smtClean="0"/>
+              <a:t> 57 bits. </a:t>
+            </a:r>
+            <a:r>
+              <a:rPr lang="en-US" baseline="0" dirty="0" err="1" smtClean="0"/>
+              <a:t>Các</a:t>
+            </a:r>
+            <a:r>
+              <a:rPr lang="en-US" baseline="0" dirty="0" smtClean="0"/>
+              <a:t> burst </a:t>
+            </a:r>
+            <a:r>
+              <a:rPr lang="en-US" baseline="0" dirty="0" err="1" smtClean="0"/>
+              <a:t>sẽ</a:t>
+            </a:r>
+            <a:r>
+              <a:rPr lang="en-US" baseline="0" dirty="0" smtClean="0"/>
+              <a:t> </a:t>
+            </a:r>
+            <a:r>
+              <a:rPr lang="en-US" baseline="0" dirty="0" err="1" smtClean="0"/>
+              <a:t>gồm</a:t>
+            </a:r>
+            <a:r>
+              <a:rPr lang="en-US" baseline="0" dirty="0" smtClean="0"/>
+              <a:t> 2 block.</a:t>
+            </a:r>
             <a:endParaRPr lang="en-US" dirty="0"/>
           </a:p>
         </p:txBody>
@@ -13081,6 +13156,379 @@
     <p:extLst>
       <p:ext uri="{BB962C8B-B14F-4D97-AF65-F5344CB8AC3E}">
         <p14:creationId xmlns:p14="http://schemas.microsoft.com/office/powerpoint/2010/main" val="1289890065"/>
+      </p:ext>
+    </p:extLst>
+  </p:cSld>
+  <p:clrMapOvr>
+    <a:masterClrMapping/>
+  </p:clrMapOvr>
+</p:notes>
+</file>
+
+<file path=ppt/notesSlides/notesSlide7.xml><?xml version="1.0" encoding="utf-8"?>
+<p:notes xmlns:a="http://schemas.openxmlformats.org/drawingml/2006/main" xmlns:r="http://schemas.openxmlformats.org/officeDocument/2006/relationships" xmlns:p="http://schemas.openxmlformats.org/presentationml/2006/main">
+  <p:cSld>
+    <p:spTree>
+      <p:nvGrpSpPr>
+        <p:cNvPr id="1" name=""/>
+        <p:cNvGrpSpPr/>
+        <p:nvPr/>
+      </p:nvGrpSpPr>
+      <p:grpSpPr>
+        <a:xfrm>
+          <a:off x="0" y="0"/>
+          <a:ext cx="0" cy="0"/>
+          <a:chOff x="0" y="0"/>
+          <a:chExt cx="0" cy="0"/>
+        </a:xfrm>
+      </p:grpSpPr>
+      <p:sp>
+        <p:nvSpPr>
+          <p:cNvPr id="2" name="Slide Image Placeholder 1"/>
+          <p:cNvSpPr>
+            <a:spLocks noGrp="1" noRot="1" noChangeAspect="1"/>
+          </p:cNvSpPr>
+          <p:nvPr>
+            <p:ph type="sldImg"/>
+          </p:nvPr>
+        </p:nvSpPr>
+        <p:spPr/>
+      </p:sp>
+      <p:sp>
+        <p:nvSpPr>
+          <p:cNvPr id="3" name="Notes Placeholder 2"/>
+          <p:cNvSpPr>
+            <a:spLocks noGrp="1"/>
+          </p:cNvSpPr>
+          <p:nvPr>
+            <p:ph type="body" idx="1"/>
+          </p:nvPr>
+        </p:nvSpPr>
+        <p:spPr/>
+        <p:txBody>
+          <a:bodyPr/>
+          <a:lstStyle/>
+          <a:p>
+            <a:endParaRPr lang="en-US" dirty="0"/>
+          </a:p>
+        </p:txBody>
+      </p:sp>
+      <p:sp>
+        <p:nvSpPr>
+          <p:cNvPr id="4" name="Slide Number Placeholder 3"/>
+          <p:cNvSpPr>
+            <a:spLocks noGrp="1"/>
+          </p:cNvSpPr>
+          <p:nvPr>
+            <p:ph type="sldNum" sz="quarter" idx="10"/>
+          </p:nvPr>
+        </p:nvSpPr>
+        <p:spPr/>
+        <p:txBody>
+          <a:bodyPr/>
+          <a:lstStyle/>
+          <a:p>
+            <a:fld id="{65878703-EA19-467E-8527-DB679DE83E8C}" type="slidenum">
+              <a:rPr lang="en-US" smtClean="0"/>
+              <a:t>8</a:t>
+            </a:fld>
+            <a:endParaRPr lang="en-US"/>
+          </a:p>
+        </p:txBody>
+      </p:sp>
+    </p:spTree>
+    <p:extLst>
+      <p:ext uri="{BB962C8B-B14F-4D97-AF65-F5344CB8AC3E}">
+        <p14:creationId xmlns:p14="http://schemas.microsoft.com/office/powerpoint/2010/main" val="2216896350"/>
+      </p:ext>
+    </p:extLst>
+  </p:cSld>
+  <p:clrMapOvr>
+    <a:masterClrMapping/>
+  </p:clrMapOvr>
+</p:notes>
+</file>
+
+<file path=ppt/notesSlides/notesSlide8.xml><?xml version="1.0" encoding="utf-8"?>
+<p:notes xmlns:a="http://schemas.openxmlformats.org/drawingml/2006/main" xmlns:r="http://schemas.openxmlformats.org/officeDocument/2006/relationships" xmlns:p="http://schemas.openxmlformats.org/presentationml/2006/main">
+  <p:cSld>
+    <p:spTree>
+      <p:nvGrpSpPr>
+        <p:cNvPr id="1" name=""/>
+        <p:cNvGrpSpPr/>
+        <p:nvPr/>
+      </p:nvGrpSpPr>
+      <p:grpSpPr>
+        <a:xfrm>
+          <a:off x="0" y="0"/>
+          <a:ext cx="0" cy="0"/>
+          <a:chOff x="0" y="0"/>
+          <a:chExt cx="0" cy="0"/>
+        </a:xfrm>
+      </p:grpSpPr>
+      <p:sp>
+        <p:nvSpPr>
+          <p:cNvPr id="2" name="Slide Image Placeholder 1"/>
+          <p:cNvSpPr>
+            <a:spLocks noGrp="1" noRot="1" noChangeAspect="1"/>
+          </p:cNvSpPr>
+          <p:nvPr>
+            <p:ph type="sldImg"/>
+          </p:nvPr>
+        </p:nvSpPr>
+        <p:spPr/>
+      </p:sp>
+      <p:sp>
+        <p:nvSpPr>
+          <p:cNvPr id="3" name="Notes Placeholder 2"/>
+          <p:cNvSpPr>
+            <a:spLocks noGrp="1"/>
+          </p:cNvSpPr>
+          <p:nvPr>
+            <p:ph type="body" idx="1"/>
+          </p:nvPr>
+        </p:nvSpPr>
+        <p:spPr/>
+        <p:txBody>
+          <a:bodyPr/>
+          <a:lstStyle/>
+          <a:p>
+            <a:endParaRPr lang="en-US" dirty="0"/>
+          </a:p>
+        </p:txBody>
+      </p:sp>
+      <p:sp>
+        <p:nvSpPr>
+          <p:cNvPr id="4" name="Slide Number Placeholder 3"/>
+          <p:cNvSpPr>
+            <a:spLocks noGrp="1"/>
+          </p:cNvSpPr>
+          <p:nvPr>
+            <p:ph type="sldNum" sz="quarter" idx="10"/>
+          </p:nvPr>
+        </p:nvSpPr>
+        <p:spPr/>
+        <p:txBody>
+          <a:bodyPr/>
+          <a:lstStyle/>
+          <a:p>
+            <a:fld id="{65878703-EA19-467E-8527-DB679DE83E8C}" type="slidenum">
+              <a:rPr lang="en-US" smtClean="0"/>
+              <a:t>9</a:t>
+            </a:fld>
+            <a:endParaRPr lang="en-US"/>
+          </a:p>
+        </p:txBody>
+      </p:sp>
+    </p:spTree>
+    <p:extLst>
+      <p:ext uri="{BB962C8B-B14F-4D97-AF65-F5344CB8AC3E}">
+        <p14:creationId xmlns:p14="http://schemas.microsoft.com/office/powerpoint/2010/main" val="395548188"/>
+      </p:ext>
+    </p:extLst>
+  </p:cSld>
+  <p:clrMapOvr>
+    <a:masterClrMapping/>
+  </p:clrMapOvr>
+</p:notes>
+</file>
+
+<file path=ppt/notesSlides/notesSlide9.xml><?xml version="1.0" encoding="utf-8"?>
+<p:notes xmlns:a="http://schemas.openxmlformats.org/drawingml/2006/main" xmlns:r="http://schemas.openxmlformats.org/officeDocument/2006/relationships" xmlns:p="http://schemas.openxmlformats.org/presentationml/2006/main">
+  <p:cSld>
+    <p:spTree>
+      <p:nvGrpSpPr>
+        <p:cNvPr id="1" name=""/>
+        <p:cNvGrpSpPr/>
+        <p:nvPr/>
+      </p:nvGrpSpPr>
+      <p:grpSpPr>
+        <a:xfrm>
+          <a:off x="0" y="0"/>
+          <a:ext cx="0" cy="0"/>
+          <a:chOff x="0" y="0"/>
+          <a:chExt cx="0" cy="0"/>
+        </a:xfrm>
+      </p:grpSpPr>
+      <p:sp>
+        <p:nvSpPr>
+          <p:cNvPr id="2" name="Slide Image Placeholder 1"/>
+          <p:cNvSpPr>
+            <a:spLocks noGrp="1" noRot="1" noChangeAspect="1"/>
+          </p:cNvSpPr>
+          <p:nvPr>
+            <p:ph type="sldImg"/>
+          </p:nvPr>
+        </p:nvSpPr>
+        <p:spPr/>
+      </p:sp>
+      <p:sp>
+        <p:nvSpPr>
+          <p:cNvPr id="3" name="Notes Placeholder 2"/>
+          <p:cNvSpPr>
+            <a:spLocks noGrp="1"/>
+          </p:cNvSpPr>
+          <p:nvPr>
+            <p:ph type="body" idx="1"/>
+          </p:nvPr>
+        </p:nvSpPr>
+        <p:spPr/>
+        <p:txBody>
+          <a:bodyPr/>
+          <a:lstStyle/>
+          <a:p>
+            <a:r>
+              <a:rPr lang="en-US" dirty="0" smtClean="0"/>
+              <a:t>BT=0.3</a:t>
+            </a:r>
+          </a:p>
+          <a:p>
+            <a:r>
+              <a:rPr lang="en-US" sz="1200" b="0" i="0" kern="1200" dirty="0" smtClean="0">
+                <a:solidFill>
+                  <a:schemeClr val="tx1"/>
+                </a:solidFill>
+                <a:effectLst/>
+                <a:latin typeface="+mn-lt"/>
+                <a:ea typeface="+mn-ea"/>
+                <a:cs typeface="+mn-cs"/>
+              </a:rPr>
+              <a:t>bit rate of 1625</a:t>
+            </a:r>
+            <a:r>
+              <a:rPr lang="en-US" sz="1200" b="0" i="1" kern="1200" dirty="0" smtClean="0">
+                <a:solidFill>
+                  <a:schemeClr val="tx1"/>
+                </a:solidFill>
+                <a:effectLst/>
+                <a:latin typeface="+mn-lt"/>
+                <a:ea typeface="+mn-ea"/>
+                <a:cs typeface="+mn-cs"/>
+              </a:rPr>
+              <a:t>/</a:t>
+            </a:r>
+            <a:r>
+              <a:rPr lang="en-US" sz="1200" b="0" i="0" kern="1200" dirty="0" smtClean="0">
+                <a:solidFill>
+                  <a:schemeClr val="tx1"/>
+                </a:solidFill>
+                <a:effectLst/>
+                <a:latin typeface="+mn-lt"/>
+                <a:ea typeface="+mn-ea"/>
+                <a:cs typeface="+mn-cs"/>
+              </a:rPr>
+              <a:t>6 = 270</a:t>
+            </a:r>
+            <a:r>
+              <a:rPr lang="en-US" sz="1200" b="0" i="1" kern="1200" dirty="0" smtClean="0">
+                <a:solidFill>
+                  <a:schemeClr val="tx1"/>
+                </a:solidFill>
+                <a:effectLst/>
+                <a:latin typeface="+mn-lt"/>
+                <a:ea typeface="+mn-ea"/>
+                <a:cs typeface="+mn-cs"/>
+              </a:rPr>
+              <a:t>.</a:t>
+            </a:r>
+            <a:r>
+              <a:rPr lang="en-US" sz="1200" b="0" i="0" kern="1200" dirty="0" smtClean="0">
+                <a:solidFill>
+                  <a:schemeClr val="tx1"/>
+                </a:solidFill>
+                <a:effectLst/>
+                <a:latin typeface="+mn-lt"/>
+                <a:ea typeface="+mn-ea"/>
+                <a:cs typeface="+mn-cs"/>
+              </a:rPr>
+              <a:t>83 </a:t>
+            </a:r>
+            <a:r>
+              <a:rPr lang="en-US" sz="1200" b="0" i="0" kern="1200" dirty="0" err="1" smtClean="0">
+                <a:solidFill>
+                  <a:schemeClr val="tx1"/>
+                </a:solidFill>
+                <a:effectLst/>
+                <a:latin typeface="+mn-lt"/>
+                <a:ea typeface="+mn-ea"/>
+                <a:cs typeface="+mn-cs"/>
+              </a:rPr>
+              <a:t>kbit</a:t>
+            </a:r>
+            <a:r>
+              <a:rPr lang="en-US" sz="1200" b="0" i="0" kern="1200" dirty="0" smtClean="0">
+                <a:solidFill>
+                  <a:schemeClr val="tx1"/>
+                </a:solidFill>
+                <a:effectLst/>
+                <a:latin typeface="+mn-lt"/>
+                <a:ea typeface="+mn-ea"/>
+                <a:cs typeface="+mn-cs"/>
+              </a:rPr>
+              <a:t>/s (gross data</a:t>
+            </a:r>
+            <a:r>
+              <a:rPr lang="en-US" sz="1200" b="0" i="0" kern="1200" baseline="0" dirty="0" smtClean="0">
+                <a:solidFill>
+                  <a:schemeClr val="tx1"/>
+                </a:solidFill>
+                <a:effectLst/>
+                <a:latin typeface="+mn-lt"/>
+                <a:ea typeface="+mn-ea"/>
+                <a:cs typeface="+mn-cs"/>
+              </a:rPr>
+              <a:t> </a:t>
+            </a:r>
+            <a:r>
+              <a:rPr lang="en-US" sz="1200" b="0" i="0" kern="1200" dirty="0" smtClean="0">
+                <a:solidFill>
+                  <a:schemeClr val="tx1"/>
+                </a:solidFill>
+                <a:effectLst/>
+                <a:latin typeface="+mn-lt"/>
+                <a:ea typeface="+mn-ea"/>
+                <a:cs typeface="+mn-cs"/>
+              </a:rPr>
+              <a:t>rate) </a:t>
+            </a:r>
+            <a:r>
+              <a:rPr lang="en-US" dirty="0" smtClean="0"/>
+              <a:t/>
+            </a:r>
+            <a:br>
+              <a:rPr lang="en-US" dirty="0" smtClean="0"/>
+            </a:br>
+            <a:endParaRPr lang="en-US" dirty="0" smtClean="0"/>
+          </a:p>
+        </p:txBody>
+      </p:sp>
+      <p:sp>
+        <p:nvSpPr>
+          <p:cNvPr id="4" name="Slide Number Placeholder 3"/>
+          <p:cNvSpPr>
+            <a:spLocks noGrp="1"/>
+          </p:cNvSpPr>
+          <p:nvPr>
+            <p:ph type="sldNum" sz="quarter" idx="10"/>
+          </p:nvPr>
+        </p:nvSpPr>
+        <p:spPr/>
+        <p:txBody>
+          <a:bodyPr/>
+          <a:lstStyle/>
+          <a:p>
+            <a:fld id="{65878703-EA19-467E-8527-DB679DE83E8C}" type="slidenum">
+              <a:rPr lang="en-US" smtClean="0"/>
+              <a:t>10</a:t>
+            </a:fld>
+            <a:endParaRPr lang="en-US"/>
+          </a:p>
+        </p:txBody>
+      </p:sp>
+    </p:spTree>
+    <p:extLst>
+      <p:ext uri="{BB962C8B-B14F-4D97-AF65-F5344CB8AC3E}">
+        <p14:creationId xmlns:p14="http://schemas.microsoft.com/office/powerpoint/2010/main" val="3984372255"/>
       </p:ext>
     </p:extLst>
   </p:cSld>
@@ -13219,9 +13667,9 @@
           <a:bodyPr/>
           <a:lstStyle/>
           <a:p>
-            <a:fld id="{12265A04-F9DD-44EB-A400-75136366F4A8}" type="datetimeFigureOut">
+            <a:fld id="{BBE33CE5-EAE0-4262-B576-894F0FA0B30E}" type="datetime1">
               <a:rPr lang="en-US" smtClean="0"/>
-              <a:t>3/28/2020</a:t>
+              <a:t>3/31/2020</a:t>
             </a:fld>
             <a:endParaRPr lang="en-US"/>
           </a:p>
@@ -13389,9 +13837,9 @@
           <a:bodyPr/>
           <a:lstStyle/>
           <a:p>
-            <a:fld id="{12265A04-F9DD-44EB-A400-75136366F4A8}" type="datetimeFigureOut">
+            <a:fld id="{F4E4B380-561A-43E0-93A9-F2C757D21785}" type="datetime1">
               <a:rPr lang="en-US" smtClean="0"/>
-              <a:t>3/28/2020</a:t>
+              <a:t>3/31/2020</a:t>
             </a:fld>
             <a:endParaRPr lang="en-US"/>
           </a:p>
@@ -13569,9 +14017,9 @@
           <a:bodyPr/>
           <a:lstStyle/>
           <a:p>
-            <a:fld id="{12265A04-F9DD-44EB-A400-75136366F4A8}" type="datetimeFigureOut">
+            <a:fld id="{01519A0C-9895-4B1B-AD60-7C550F64BFB3}" type="datetime1">
               <a:rPr lang="en-US" smtClean="0"/>
-              <a:t>3/28/2020</a:t>
+              <a:t>3/31/2020</a:t>
             </a:fld>
             <a:endParaRPr lang="en-US"/>
           </a:p>
@@ -13739,9 +14187,9 @@
           <a:bodyPr/>
           <a:lstStyle/>
           <a:p>
-            <a:fld id="{12265A04-F9DD-44EB-A400-75136366F4A8}" type="datetimeFigureOut">
+            <a:fld id="{41CDA873-C54F-44BE-A0C4-71F7400B8B18}" type="datetime1">
               <a:rPr lang="en-US" smtClean="0"/>
-              <a:t>3/28/2020</a:t>
+              <a:t>3/31/2020</a:t>
             </a:fld>
             <a:endParaRPr lang="en-US"/>
           </a:p>
@@ -13985,9 +14433,9 @@
           <a:bodyPr/>
           <a:lstStyle/>
           <a:p>
-            <a:fld id="{12265A04-F9DD-44EB-A400-75136366F4A8}" type="datetimeFigureOut">
+            <a:fld id="{13709372-6289-40D2-AA99-B5E212812AF5}" type="datetime1">
               <a:rPr lang="en-US" smtClean="0"/>
-              <a:t>3/28/2020</a:t>
+              <a:t>3/31/2020</a:t>
             </a:fld>
             <a:endParaRPr lang="en-US"/>
           </a:p>
@@ -14217,9 +14665,9 @@
           <a:bodyPr/>
           <a:lstStyle/>
           <a:p>
-            <a:fld id="{12265A04-F9DD-44EB-A400-75136366F4A8}" type="datetimeFigureOut">
+            <a:fld id="{750795DF-F35E-4271-A25E-3C8BA7230D64}" type="datetime1">
               <a:rPr lang="en-US" smtClean="0"/>
-              <a:t>3/28/2020</a:t>
+              <a:t>3/31/2020</a:t>
             </a:fld>
             <a:endParaRPr lang="en-US"/>
           </a:p>
@@ -14584,9 +15032,9 @@
           <a:bodyPr/>
           <a:lstStyle/>
           <a:p>
-            <a:fld id="{12265A04-F9DD-44EB-A400-75136366F4A8}" type="datetimeFigureOut">
+            <a:fld id="{1BF7EF93-3832-46A3-9331-FBBFC1F0B4EA}" type="datetime1">
               <a:rPr lang="en-US" smtClean="0"/>
-              <a:t>3/28/2020</a:t>
+              <a:t>3/31/2020</a:t>
             </a:fld>
             <a:endParaRPr lang="en-US"/>
           </a:p>
@@ -14702,9 +15150,9 @@
           <a:bodyPr/>
           <a:lstStyle/>
           <a:p>
-            <a:fld id="{12265A04-F9DD-44EB-A400-75136366F4A8}" type="datetimeFigureOut">
+            <a:fld id="{6DDC92B4-4787-481C-90C1-E96AD2ACD0FF}" type="datetime1">
               <a:rPr lang="en-US" smtClean="0"/>
-              <a:t>3/28/2020</a:t>
+              <a:t>3/31/2020</a:t>
             </a:fld>
             <a:endParaRPr lang="en-US"/>
           </a:p>
@@ -14797,9 +15245,9 @@
           <a:bodyPr/>
           <a:lstStyle/>
           <a:p>
-            <a:fld id="{12265A04-F9DD-44EB-A400-75136366F4A8}" type="datetimeFigureOut">
+            <a:fld id="{9A854C6B-705E-4583-955F-1B5E41DC44BE}" type="datetime1">
               <a:rPr lang="en-US" smtClean="0"/>
-              <a:t>3/28/2020</a:t>
+              <a:t>3/31/2020</a:t>
             </a:fld>
             <a:endParaRPr lang="en-US"/>
           </a:p>
@@ -15074,9 +15522,9 @@
           <a:bodyPr/>
           <a:lstStyle/>
           <a:p>
-            <a:fld id="{12265A04-F9DD-44EB-A400-75136366F4A8}" type="datetimeFigureOut">
+            <a:fld id="{DEAFA9B8-74DD-4859-ABEB-324681CFD59A}" type="datetime1">
               <a:rPr lang="en-US" smtClean="0"/>
-              <a:t>3/28/2020</a:t>
+              <a:t>3/31/2020</a:t>
             </a:fld>
             <a:endParaRPr lang="en-US"/>
           </a:p>
@@ -15327,9 +15775,9 @@
           <a:bodyPr/>
           <a:lstStyle/>
           <a:p>
-            <a:fld id="{12265A04-F9DD-44EB-A400-75136366F4A8}" type="datetimeFigureOut">
+            <a:fld id="{DBC1FCAA-E6E0-4362-A380-CD164CBDC493}" type="datetime1">
               <a:rPr lang="en-US" smtClean="0"/>
-              <a:t>3/28/2020</a:t>
+              <a:t>3/31/2020</a:t>
             </a:fld>
             <a:endParaRPr lang="en-US"/>
           </a:p>
@@ -15540,9 +15988,9 @@
             </a:lvl1pPr>
           </a:lstStyle>
           <a:p>
-            <a:fld id="{12265A04-F9DD-44EB-A400-75136366F4A8}" type="datetimeFigureOut">
+            <a:fld id="{D66442F4-6D39-4BA2-9BF7-95B2F35315CC}" type="datetime1">
               <a:rPr lang="en-US" smtClean="0"/>
-              <a:t>3/28/2020</a:t>
+              <a:t>3/31/2020</a:t>
             </a:fld>
             <a:endParaRPr lang="en-US"/>
           </a:p>
@@ -15647,6 +16095,7 @@
     <p:sldLayoutId id="2147483658" r:id="rId10"/>
     <p:sldLayoutId id="2147483659" r:id="rId11"/>
   </p:sldLayoutIdLst>
+  <p:hf hdr="0" ftr="0"/>
   <p:txStyles>
     <p:titleStyle>
       <a:lvl1pPr algn="l" defTabSz="914400" rtl="0" eaLnBrk="1" latinLnBrk="0" hangingPunct="1">
@@ -16080,10 +16529,1187 @@
           </a:prstGeom>
         </p:spPr>
       </p:pic>
+      <p:sp>
+        <p:nvSpPr>
+          <p:cNvPr id="2" name="TextBox 1"/>
+          <p:cNvSpPr txBox="1"/>
+          <p:nvPr/>
+        </p:nvSpPr>
+        <p:spPr>
+          <a:xfrm>
+            <a:off x="1742536" y="2050868"/>
+            <a:ext cx="9454551" cy="584775"/>
+          </a:xfrm>
+          <a:prstGeom prst="rect">
+            <a:avLst/>
+          </a:prstGeom>
+          <a:noFill/>
+        </p:spPr>
+        <p:txBody>
+          <a:bodyPr wrap="square" rtlCol="0">
+            <a:spAutoFit/>
+          </a:bodyPr>
+          <a:lstStyle/>
+          <a:p>
+            <a:pPr algn="ctr"/>
+            <a:r>
+              <a:rPr lang="en-US" sz="3200" b="1" dirty="0" smtClean="0">
+                <a:solidFill>
+                  <a:srgbClr val="FF0000"/>
+                </a:solidFill>
+                <a:latin typeface="Arial" panose="020B0604020202020204" pitchFamily="34" charset="0"/>
+                <a:cs typeface="Arial" panose="020B0604020202020204" pitchFamily="34" charset="0"/>
+              </a:rPr>
+              <a:t>MÔ HÌNH XỬ LÝ TÍN HIỆU TRONG MẠNG GSM</a:t>
+            </a:r>
+            <a:endParaRPr lang="en-US" sz="3200" b="1" dirty="0">
+              <a:solidFill>
+                <a:srgbClr val="FF0000"/>
+              </a:solidFill>
+              <a:latin typeface="Arial" panose="020B0604020202020204" pitchFamily="34" charset="0"/>
+              <a:cs typeface="Arial" panose="020B0604020202020204" pitchFamily="34" charset="0"/>
+            </a:endParaRPr>
+          </a:p>
+        </p:txBody>
+      </p:sp>
+      <p:sp>
+        <p:nvSpPr>
+          <p:cNvPr id="3" name="TextBox 2"/>
+          <p:cNvSpPr txBox="1"/>
+          <p:nvPr/>
+        </p:nvSpPr>
+        <p:spPr>
+          <a:xfrm>
+            <a:off x="4599179" y="3861975"/>
+            <a:ext cx="3157269" cy="769441"/>
+          </a:xfrm>
+          <a:prstGeom prst="rect">
+            <a:avLst/>
+          </a:prstGeom>
+          <a:noFill/>
+        </p:spPr>
+        <p:txBody>
+          <a:bodyPr wrap="square" rtlCol="0">
+            <a:spAutoFit/>
+          </a:bodyPr>
+          <a:lstStyle/>
+          <a:p>
+            <a:pPr algn="ctr"/>
+            <a:r>
+              <a:rPr lang="en-US" sz="2200" dirty="0" smtClean="0">
+                <a:latin typeface="Arial" panose="020B0604020202020204" pitchFamily="34" charset="0"/>
+                <a:cs typeface="Arial" panose="020B0604020202020204" pitchFamily="34" charset="0"/>
+              </a:rPr>
+              <a:t>ĐẶNG QUỐC ĐẠT</a:t>
+            </a:r>
+          </a:p>
+          <a:p>
+            <a:pPr algn="ctr"/>
+            <a:r>
+              <a:rPr lang="en-US" sz="2200" dirty="0" err="1" smtClean="0">
+                <a:latin typeface="Arial" panose="020B0604020202020204" pitchFamily="34" charset="0"/>
+                <a:cs typeface="Arial" panose="020B0604020202020204" pitchFamily="34" charset="0"/>
+              </a:rPr>
+              <a:t>Hà</a:t>
+            </a:r>
+            <a:r>
+              <a:rPr lang="en-US" sz="2200" dirty="0" smtClean="0">
+                <a:latin typeface="Arial" panose="020B0604020202020204" pitchFamily="34" charset="0"/>
+                <a:cs typeface="Arial" panose="020B0604020202020204" pitchFamily="34" charset="0"/>
+              </a:rPr>
+              <a:t> </a:t>
+            </a:r>
+            <a:r>
+              <a:rPr lang="en-US" sz="2200" dirty="0" err="1" smtClean="0">
+                <a:latin typeface="Arial" panose="020B0604020202020204" pitchFamily="34" charset="0"/>
+                <a:cs typeface="Arial" panose="020B0604020202020204" pitchFamily="34" charset="0"/>
+              </a:rPr>
+              <a:t>Nội</a:t>
+            </a:r>
+            <a:r>
+              <a:rPr lang="en-US" sz="2200" dirty="0" smtClean="0">
+                <a:latin typeface="Arial" panose="020B0604020202020204" pitchFamily="34" charset="0"/>
+                <a:cs typeface="Arial" panose="020B0604020202020204" pitchFamily="34" charset="0"/>
+              </a:rPr>
+              <a:t> – 04/2020</a:t>
+            </a:r>
+            <a:endParaRPr lang="en-US" sz="2200" dirty="0">
+              <a:latin typeface="Arial" panose="020B0604020202020204" pitchFamily="34" charset="0"/>
+              <a:cs typeface="Arial" panose="020B0604020202020204" pitchFamily="34" charset="0"/>
+            </a:endParaRPr>
+          </a:p>
+        </p:txBody>
+      </p:sp>
+      <p:sp>
+        <p:nvSpPr>
+          <p:cNvPr id="4" name="Date Placeholder 3"/>
+          <p:cNvSpPr>
+            <a:spLocks noGrp="1"/>
+          </p:cNvSpPr>
+          <p:nvPr>
+            <p:ph type="dt" sz="half" idx="10"/>
+          </p:nvPr>
+        </p:nvSpPr>
+        <p:spPr/>
+        <p:txBody>
+          <a:bodyPr/>
+          <a:lstStyle/>
+          <a:p>
+            <a:fld id="{011C699D-7F82-43ED-B14D-CC1B7F535947}" type="datetime1">
+              <a:rPr lang="en-US" smtClean="0"/>
+              <a:t>3/31/2020</a:t>
+            </a:fld>
+            <a:endParaRPr lang="en-US"/>
+          </a:p>
+        </p:txBody>
+      </p:sp>
+      <p:sp>
+        <p:nvSpPr>
+          <p:cNvPr id="6" name="Slide Number Placeholder 5"/>
+          <p:cNvSpPr>
+            <a:spLocks noGrp="1"/>
+          </p:cNvSpPr>
+          <p:nvPr>
+            <p:ph type="sldNum" sz="quarter" idx="12"/>
+          </p:nvPr>
+        </p:nvSpPr>
+        <p:spPr/>
+        <p:txBody>
+          <a:bodyPr/>
+          <a:lstStyle/>
+          <a:p>
+            <a:fld id="{506926C6-3DD3-4E5E-AE57-DE843B60E5AD}" type="slidenum">
+              <a:rPr lang="en-US" smtClean="0"/>
+              <a:t>1</a:t>
+            </a:fld>
+            <a:endParaRPr lang="en-US"/>
+          </a:p>
+        </p:txBody>
+      </p:sp>
     </p:spTree>
     <p:extLst>
       <p:ext uri="{BB962C8B-B14F-4D97-AF65-F5344CB8AC3E}">
         <p14:creationId xmlns:p14="http://schemas.microsoft.com/office/powerpoint/2010/main" val="2499931802"/>
+      </p:ext>
+    </p:extLst>
+  </p:cSld>
+  <p:clrMapOvr>
+    <a:masterClrMapping/>
+  </p:clrMapOvr>
+  <p:timing>
+    <p:tnLst>
+      <p:par>
+        <p:cTn id="1" dur="indefinite" restart="never" nodeType="tmRoot"/>
+      </p:par>
+    </p:tnLst>
+  </p:timing>
+</p:sld>
+</file>
+
+<file path=ppt/slides/slide10.xml><?xml version="1.0" encoding="utf-8"?>
+<p:sld xmlns:a="http://schemas.openxmlformats.org/drawingml/2006/main" xmlns:r="http://schemas.openxmlformats.org/officeDocument/2006/relationships" xmlns:p="http://schemas.openxmlformats.org/presentationml/2006/main">
+  <p:cSld>
+    <p:spTree>
+      <p:nvGrpSpPr>
+        <p:cNvPr id="1" name=""/>
+        <p:cNvGrpSpPr/>
+        <p:nvPr/>
+      </p:nvGrpSpPr>
+      <p:grpSpPr>
+        <a:xfrm>
+          <a:off x="0" y="0"/>
+          <a:ext cx="0" cy="0"/>
+          <a:chOff x="0" y="0"/>
+          <a:chExt cx="0" cy="0"/>
+        </a:xfrm>
+      </p:grpSpPr>
+      <p:cxnSp>
+        <p:nvCxnSpPr>
+          <p:cNvPr id="5" name="Straight Connector 4"/>
+          <p:cNvCxnSpPr/>
+          <p:nvPr/>
+        </p:nvCxnSpPr>
+        <p:spPr>
+          <a:xfrm>
+            <a:off x="640080" y="849085"/>
+            <a:ext cx="10910806" cy="0"/>
+          </a:xfrm>
+          <a:prstGeom prst="line">
+            <a:avLst/>
+          </a:prstGeom>
+        </p:spPr>
+        <p:style>
+          <a:lnRef idx="1">
+            <a:schemeClr val="accent1"/>
+          </a:lnRef>
+          <a:fillRef idx="0">
+            <a:schemeClr val="accent1"/>
+          </a:fillRef>
+          <a:effectRef idx="0">
+            <a:schemeClr val="accent1"/>
+          </a:effectRef>
+          <a:fontRef idx="minor">
+            <a:schemeClr val="tx1"/>
+          </a:fontRef>
+        </p:style>
+      </p:cxnSp>
+      <p:cxnSp>
+        <p:nvCxnSpPr>
+          <p:cNvPr id="9" name="Straight Connector 8"/>
+          <p:cNvCxnSpPr/>
+          <p:nvPr/>
+        </p:nvCxnSpPr>
+        <p:spPr>
+          <a:xfrm flipV="1">
+            <a:off x="400594" y="6082937"/>
+            <a:ext cx="11341745" cy="13062"/>
+          </a:xfrm>
+          <a:prstGeom prst="line">
+            <a:avLst/>
+          </a:prstGeom>
+        </p:spPr>
+        <p:style>
+          <a:lnRef idx="1">
+            <a:schemeClr val="accent1"/>
+          </a:lnRef>
+          <a:fillRef idx="0">
+            <a:schemeClr val="accent1"/>
+          </a:fillRef>
+          <a:effectRef idx="0">
+            <a:schemeClr val="accent1"/>
+          </a:effectRef>
+          <a:fontRef idx="minor">
+            <a:schemeClr val="tx1"/>
+          </a:fontRef>
+        </p:style>
+      </p:cxnSp>
+      <p:sp>
+        <p:nvSpPr>
+          <p:cNvPr id="11" name="TextBox 10"/>
+          <p:cNvSpPr txBox="1"/>
+          <p:nvPr/>
+        </p:nvSpPr>
+        <p:spPr>
+          <a:xfrm>
+            <a:off x="2931925" y="418198"/>
+            <a:ext cx="5726224" cy="430887"/>
+          </a:xfrm>
+          <a:prstGeom prst="rect">
+            <a:avLst/>
+          </a:prstGeom>
+          <a:noFill/>
+        </p:spPr>
+        <p:txBody>
+          <a:bodyPr wrap="square" rtlCol="0">
+            <a:spAutoFit/>
+          </a:bodyPr>
+          <a:lstStyle/>
+          <a:p>
+            <a:pPr lvl="1" algn="ctr"/>
+            <a:r>
+              <a:rPr lang="en-US" sz="2200" b="1" dirty="0" smtClean="0">
+                <a:solidFill>
+                  <a:schemeClr val="accent5"/>
+                </a:solidFill>
+                <a:latin typeface="Times New Roman" panose="02020603050405020304" pitchFamily="18" charset="0"/>
+                <a:cs typeface="Times New Roman" panose="02020603050405020304" pitchFamily="18" charset="0"/>
+              </a:rPr>
+              <a:t>MODULATION</a:t>
+            </a:r>
+            <a:endParaRPr lang="en-US" sz="2200" b="1" dirty="0">
+              <a:solidFill>
+                <a:schemeClr val="accent5"/>
+              </a:solidFill>
+              <a:latin typeface="Times New Roman" panose="02020603050405020304" pitchFamily="18" charset="0"/>
+              <a:cs typeface="Times New Roman" panose="02020603050405020304" pitchFamily="18" charset="0"/>
+            </a:endParaRPr>
+          </a:p>
+        </p:txBody>
+      </p:sp>
+      <p:pic>
+        <p:nvPicPr>
+          <p:cNvPr id="15" name="Picture 14"/>
+          <p:cNvPicPr>
+            <a:picLocks noChangeAspect="1"/>
+          </p:cNvPicPr>
+          <p:nvPr/>
+        </p:nvPicPr>
+        <p:blipFill>
+          <a:blip r:embed="rId4">
+            <a:extLst>
+              <a:ext uri="{28A0092B-C50C-407E-A947-70E740481C1C}">
+                <a14:useLocalDpi xmlns:a14="http://schemas.microsoft.com/office/drawing/2010/main" val="0"/>
+              </a:ext>
+            </a:extLst>
+          </a:blip>
+          <a:stretch>
+            <a:fillRect/>
+          </a:stretch>
+        </p:blipFill>
+        <p:spPr>
+          <a:xfrm>
+            <a:off x="10949994" y="4112"/>
+            <a:ext cx="1201783" cy="1201783"/>
+          </a:xfrm>
+          <a:prstGeom prst="rect">
+            <a:avLst/>
+          </a:prstGeom>
+        </p:spPr>
+      </p:pic>
+      <p:sp>
+        <p:nvSpPr>
+          <p:cNvPr id="6" name="TextBox 5"/>
+          <p:cNvSpPr txBox="1"/>
+          <p:nvPr/>
+        </p:nvSpPr>
+        <p:spPr>
+          <a:xfrm>
+            <a:off x="267892" y="1527018"/>
+            <a:ext cx="4896744" cy="2862322"/>
+          </a:xfrm>
+          <a:prstGeom prst="rect">
+            <a:avLst/>
+          </a:prstGeom>
+          <a:noFill/>
+        </p:spPr>
+        <p:txBody>
+          <a:bodyPr wrap="square" rtlCol="0">
+            <a:spAutoFit/>
+          </a:bodyPr>
+          <a:lstStyle/>
+          <a:p>
+            <a:pPr algn="just"/>
+            <a:r>
+              <a:rPr lang="en-US" sz="2000" dirty="0" err="1" smtClean="0">
+                <a:latin typeface="Arial" panose="020B0604020202020204" pitchFamily="34" charset="0"/>
+                <a:cs typeface="Arial" panose="020B0604020202020204" pitchFamily="34" charset="0"/>
+              </a:rPr>
+              <a:t>Trong</a:t>
+            </a:r>
+            <a:r>
+              <a:rPr lang="en-US" sz="2000" dirty="0" smtClean="0">
+                <a:latin typeface="Arial" panose="020B0604020202020204" pitchFamily="34" charset="0"/>
+                <a:cs typeface="Arial" panose="020B0604020202020204" pitchFamily="34" charset="0"/>
+              </a:rPr>
+              <a:t> GSM, </a:t>
+            </a:r>
+            <a:r>
+              <a:rPr lang="en-US" sz="2000" dirty="0" err="1" smtClean="0">
+                <a:latin typeface="Arial" panose="020B0604020202020204" pitchFamily="34" charset="0"/>
+                <a:cs typeface="Arial" panose="020B0604020202020204" pitchFamily="34" charset="0"/>
+              </a:rPr>
+              <a:t>điều</a:t>
+            </a:r>
+            <a:r>
+              <a:rPr lang="en-US" sz="2000" dirty="0" smtClean="0">
+                <a:latin typeface="Arial" panose="020B0604020202020204" pitchFamily="34" charset="0"/>
+                <a:cs typeface="Arial" panose="020B0604020202020204" pitchFamily="34" charset="0"/>
+              </a:rPr>
+              <a:t> </a:t>
+            </a:r>
+            <a:r>
+              <a:rPr lang="en-US" sz="2000" dirty="0" err="1" smtClean="0">
+                <a:latin typeface="Arial" panose="020B0604020202020204" pitchFamily="34" charset="0"/>
+                <a:cs typeface="Arial" panose="020B0604020202020204" pitchFamily="34" charset="0"/>
+              </a:rPr>
+              <a:t>chế</a:t>
+            </a:r>
+            <a:r>
+              <a:rPr lang="en-US" sz="2000" dirty="0" smtClean="0">
+                <a:latin typeface="Arial" panose="020B0604020202020204" pitchFamily="34" charset="0"/>
+                <a:cs typeface="Arial" panose="020B0604020202020204" pitchFamily="34" charset="0"/>
+              </a:rPr>
+              <a:t> </a:t>
+            </a:r>
+            <a:r>
+              <a:rPr lang="en-US" sz="2000" dirty="0" err="1" smtClean="0">
+                <a:latin typeface="Arial" panose="020B0604020202020204" pitchFamily="34" charset="0"/>
+                <a:cs typeface="Arial" panose="020B0604020202020204" pitchFamily="34" charset="0"/>
+              </a:rPr>
+              <a:t>được</a:t>
+            </a:r>
+            <a:r>
+              <a:rPr lang="en-US" sz="2000" dirty="0" smtClean="0">
+                <a:latin typeface="Arial" panose="020B0604020202020204" pitchFamily="34" charset="0"/>
+                <a:cs typeface="Arial" panose="020B0604020202020204" pitchFamily="34" charset="0"/>
+              </a:rPr>
+              <a:t> </a:t>
+            </a:r>
+            <a:r>
+              <a:rPr lang="en-US" sz="2000" dirty="0" err="1" smtClean="0">
+                <a:latin typeface="Arial" panose="020B0604020202020204" pitchFamily="34" charset="0"/>
+                <a:cs typeface="Arial" panose="020B0604020202020204" pitchFamily="34" charset="0"/>
+              </a:rPr>
+              <a:t>sử</a:t>
+            </a:r>
+            <a:r>
+              <a:rPr lang="en-US" sz="2000" dirty="0" smtClean="0">
+                <a:latin typeface="Arial" panose="020B0604020202020204" pitchFamily="34" charset="0"/>
+                <a:cs typeface="Arial" panose="020B0604020202020204" pitchFamily="34" charset="0"/>
+              </a:rPr>
+              <a:t> </a:t>
+            </a:r>
+            <a:r>
+              <a:rPr lang="en-US" sz="2000" dirty="0" err="1" smtClean="0">
+                <a:latin typeface="Arial" panose="020B0604020202020204" pitchFamily="34" charset="0"/>
+                <a:cs typeface="Arial" panose="020B0604020202020204" pitchFamily="34" charset="0"/>
+              </a:rPr>
+              <a:t>dụng</a:t>
+            </a:r>
+            <a:r>
+              <a:rPr lang="en-US" sz="2000" dirty="0" smtClean="0">
+                <a:latin typeface="Arial" panose="020B0604020202020204" pitchFamily="34" charset="0"/>
+                <a:cs typeface="Arial" panose="020B0604020202020204" pitchFamily="34" charset="0"/>
+              </a:rPr>
+              <a:t> </a:t>
+            </a:r>
+            <a:r>
+              <a:rPr lang="en-US" sz="2000" dirty="0" err="1" smtClean="0">
+                <a:latin typeface="Arial" panose="020B0604020202020204" pitchFamily="34" charset="0"/>
+                <a:cs typeface="Arial" panose="020B0604020202020204" pitchFamily="34" charset="0"/>
+              </a:rPr>
+              <a:t>là</a:t>
+            </a:r>
+            <a:r>
+              <a:rPr lang="en-US" sz="2000" dirty="0" smtClean="0">
+                <a:latin typeface="Arial" panose="020B0604020202020204" pitchFamily="34" charset="0"/>
+                <a:cs typeface="Arial" panose="020B0604020202020204" pitchFamily="34" charset="0"/>
+              </a:rPr>
+              <a:t> GMSK.</a:t>
+            </a:r>
+          </a:p>
+          <a:p>
+            <a:pPr algn="just"/>
+            <a:r>
+              <a:rPr lang="en-US" sz="2000" dirty="0" err="1" smtClean="0">
+                <a:latin typeface="Arial" panose="020B0604020202020204" pitchFamily="34" charset="0"/>
+                <a:cs typeface="Arial" panose="020B0604020202020204" pitchFamily="34" charset="0"/>
+              </a:rPr>
+              <a:t>Điều</a:t>
+            </a:r>
+            <a:r>
+              <a:rPr lang="en-US" sz="2000" dirty="0" smtClean="0">
+                <a:latin typeface="Arial" panose="020B0604020202020204" pitchFamily="34" charset="0"/>
+                <a:cs typeface="Arial" panose="020B0604020202020204" pitchFamily="34" charset="0"/>
+              </a:rPr>
+              <a:t> </a:t>
+            </a:r>
+            <a:r>
+              <a:rPr lang="en-US" sz="2000" dirty="0" err="1" smtClean="0">
+                <a:latin typeface="Arial" panose="020B0604020202020204" pitchFamily="34" charset="0"/>
+                <a:cs typeface="Arial" panose="020B0604020202020204" pitchFamily="34" charset="0"/>
+              </a:rPr>
+              <a:t>chế</a:t>
+            </a:r>
+            <a:r>
+              <a:rPr lang="en-US" sz="2000" dirty="0" smtClean="0">
+                <a:latin typeface="Arial" panose="020B0604020202020204" pitchFamily="34" charset="0"/>
+                <a:cs typeface="Arial" panose="020B0604020202020204" pitchFamily="34" charset="0"/>
+              </a:rPr>
+              <a:t> GMSK </a:t>
+            </a:r>
+            <a:r>
+              <a:rPr lang="en-US" sz="2000" dirty="0" err="1" smtClean="0">
+                <a:latin typeface="Arial" panose="020B0604020202020204" pitchFamily="34" charset="0"/>
+                <a:cs typeface="Arial" panose="020B0604020202020204" pitchFamily="34" charset="0"/>
+              </a:rPr>
+              <a:t>là</a:t>
+            </a:r>
+            <a:r>
+              <a:rPr lang="en-US" sz="2000" dirty="0" smtClean="0">
+                <a:latin typeface="Arial" panose="020B0604020202020204" pitchFamily="34" charset="0"/>
+                <a:cs typeface="Arial" panose="020B0604020202020204" pitchFamily="34" charset="0"/>
+              </a:rPr>
+              <a:t> </a:t>
+            </a:r>
+            <a:r>
+              <a:rPr lang="en-US" sz="2000" dirty="0" err="1" smtClean="0">
+                <a:latin typeface="Arial" panose="020B0604020202020204" pitchFamily="34" charset="0"/>
+                <a:cs typeface="Arial" panose="020B0604020202020204" pitchFamily="34" charset="0"/>
+              </a:rPr>
+              <a:t>điều</a:t>
+            </a:r>
+            <a:r>
+              <a:rPr lang="en-US" sz="2000" dirty="0" smtClean="0">
+                <a:latin typeface="Arial" panose="020B0604020202020204" pitchFamily="34" charset="0"/>
+                <a:cs typeface="Arial" panose="020B0604020202020204" pitchFamily="34" charset="0"/>
+              </a:rPr>
+              <a:t> </a:t>
+            </a:r>
+            <a:r>
+              <a:rPr lang="en-US" sz="2000" dirty="0" err="1" smtClean="0">
+                <a:latin typeface="Arial" panose="020B0604020202020204" pitchFamily="34" charset="0"/>
+                <a:cs typeface="Arial" panose="020B0604020202020204" pitchFamily="34" charset="0"/>
+              </a:rPr>
+              <a:t>chế</a:t>
+            </a:r>
+            <a:r>
+              <a:rPr lang="en-US" sz="2000" dirty="0" smtClean="0">
+                <a:latin typeface="Arial" panose="020B0604020202020204" pitchFamily="34" charset="0"/>
+                <a:cs typeface="Arial" panose="020B0604020202020204" pitchFamily="34" charset="0"/>
+              </a:rPr>
+              <a:t> MSK </a:t>
+            </a:r>
+            <a:r>
+              <a:rPr lang="en-US" sz="2000" dirty="0" err="1" smtClean="0">
+                <a:latin typeface="Arial" panose="020B0604020202020204" pitchFamily="34" charset="0"/>
+                <a:cs typeface="Arial" panose="020B0604020202020204" pitchFamily="34" charset="0"/>
+              </a:rPr>
+              <a:t>có</a:t>
+            </a:r>
+            <a:r>
+              <a:rPr lang="en-US" sz="2000" dirty="0" smtClean="0">
+                <a:latin typeface="Arial" panose="020B0604020202020204" pitchFamily="34" charset="0"/>
+                <a:cs typeface="Arial" panose="020B0604020202020204" pitchFamily="34" charset="0"/>
+              </a:rPr>
+              <a:t> </a:t>
+            </a:r>
+            <a:r>
+              <a:rPr lang="en-US" sz="2000" dirty="0" err="1" smtClean="0">
+                <a:latin typeface="Arial" panose="020B0604020202020204" pitchFamily="34" charset="0"/>
+                <a:cs typeface="Arial" panose="020B0604020202020204" pitchFamily="34" charset="0"/>
+              </a:rPr>
+              <a:t>sử</a:t>
+            </a:r>
+            <a:r>
+              <a:rPr lang="en-US" sz="2000" dirty="0" smtClean="0">
+                <a:latin typeface="Arial" panose="020B0604020202020204" pitchFamily="34" charset="0"/>
+                <a:cs typeface="Arial" panose="020B0604020202020204" pitchFamily="34" charset="0"/>
+              </a:rPr>
+              <a:t> </a:t>
+            </a:r>
+            <a:r>
+              <a:rPr lang="en-US" sz="2000" dirty="0" err="1" smtClean="0">
+                <a:latin typeface="Arial" panose="020B0604020202020204" pitchFamily="34" charset="0"/>
+                <a:cs typeface="Arial" panose="020B0604020202020204" pitchFamily="34" charset="0"/>
+              </a:rPr>
+              <a:t>dụng</a:t>
+            </a:r>
+            <a:r>
+              <a:rPr lang="en-US" sz="2000" dirty="0" smtClean="0">
+                <a:latin typeface="Arial" panose="020B0604020202020204" pitchFamily="34" charset="0"/>
+                <a:cs typeface="Arial" panose="020B0604020202020204" pitchFamily="34" charset="0"/>
+              </a:rPr>
+              <a:t> </a:t>
+            </a:r>
+            <a:r>
+              <a:rPr lang="en-US" sz="2000" dirty="0" err="1" smtClean="0">
+                <a:latin typeface="Arial" panose="020B0604020202020204" pitchFamily="34" charset="0"/>
+                <a:cs typeface="Arial" panose="020B0604020202020204" pitchFamily="34" charset="0"/>
+              </a:rPr>
+              <a:t>thêm</a:t>
+            </a:r>
+            <a:r>
+              <a:rPr lang="en-US" sz="2000" dirty="0" smtClean="0">
+                <a:latin typeface="Arial" panose="020B0604020202020204" pitchFamily="34" charset="0"/>
+                <a:cs typeface="Arial" panose="020B0604020202020204" pitchFamily="34" charset="0"/>
+              </a:rPr>
+              <a:t> </a:t>
+            </a:r>
+            <a:r>
+              <a:rPr lang="en-US" sz="2000" dirty="0" err="1" smtClean="0">
+                <a:latin typeface="Arial" panose="020B0604020202020204" pitchFamily="34" charset="0"/>
+                <a:cs typeface="Arial" panose="020B0604020202020204" pitchFamily="34" charset="0"/>
+              </a:rPr>
+              <a:t>bộ</a:t>
+            </a:r>
+            <a:r>
+              <a:rPr lang="en-US" sz="2000" dirty="0" smtClean="0">
+                <a:latin typeface="Arial" panose="020B0604020202020204" pitchFamily="34" charset="0"/>
+                <a:cs typeface="Arial" panose="020B0604020202020204" pitchFamily="34" charset="0"/>
+              </a:rPr>
+              <a:t> </a:t>
+            </a:r>
+            <a:r>
+              <a:rPr lang="en-US" sz="2000" dirty="0" err="1" smtClean="0">
+                <a:latin typeface="Arial" panose="020B0604020202020204" pitchFamily="34" charset="0"/>
+                <a:cs typeface="Arial" panose="020B0604020202020204" pitchFamily="34" charset="0"/>
+              </a:rPr>
+              <a:t>lọc</a:t>
+            </a:r>
+            <a:r>
+              <a:rPr lang="en-US" sz="2000" dirty="0" smtClean="0">
+                <a:latin typeface="Arial" panose="020B0604020202020204" pitchFamily="34" charset="0"/>
+                <a:cs typeface="Arial" panose="020B0604020202020204" pitchFamily="34" charset="0"/>
+              </a:rPr>
+              <a:t> Gaussian</a:t>
+            </a:r>
+          </a:p>
+          <a:p>
+            <a:pPr algn="just"/>
+            <a:r>
+              <a:rPr lang="en-US" sz="2000" dirty="0" err="1" smtClean="0">
+                <a:latin typeface="Arial" panose="020B0604020202020204" pitchFamily="34" charset="0"/>
+                <a:cs typeface="Arial" panose="020B0604020202020204" pitchFamily="34" charset="0"/>
+              </a:rPr>
+              <a:t>Bộ</a:t>
+            </a:r>
+            <a:r>
+              <a:rPr lang="en-US" sz="2000" dirty="0" smtClean="0">
+                <a:latin typeface="Arial" panose="020B0604020202020204" pitchFamily="34" charset="0"/>
+                <a:cs typeface="Arial" panose="020B0604020202020204" pitchFamily="34" charset="0"/>
+              </a:rPr>
+              <a:t> </a:t>
+            </a:r>
+            <a:r>
+              <a:rPr lang="en-US" sz="2000" dirty="0" err="1" smtClean="0">
+                <a:latin typeface="Arial" panose="020B0604020202020204" pitchFamily="34" charset="0"/>
+                <a:cs typeface="Arial" panose="020B0604020202020204" pitchFamily="34" charset="0"/>
+              </a:rPr>
+              <a:t>lọc</a:t>
+            </a:r>
+            <a:r>
+              <a:rPr lang="en-US" sz="2000" dirty="0" smtClean="0">
+                <a:latin typeface="Arial" panose="020B0604020202020204" pitchFamily="34" charset="0"/>
+                <a:cs typeface="Arial" panose="020B0604020202020204" pitchFamily="34" charset="0"/>
+              </a:rPr>
+              <a:t> </a:t>
+            </a:r>
+            <a:r>
+              <a:rPr lang="en-US" sz="2000" dirty="0" err="1" smtClean="0">
+                <a:latin typeface="Arial" panose="020B0604020202020204" pitchFamily="34" charset="0"/>
+                <a:cs typeface="Arial" panose="020B0604020202020204" pitchFamily="34" charset="0"/>
+              </a:rPr>
+              <a:t>được</a:t>
+            </a:r>
+            <a:r>
+              <a:rPr lang="en-US" sz="2000" dirty="0" smtClean="0">
+                <a:latin typeface="Arial" panose="020B0604020202020204" pitchFamily="34" charset="0"/>
+                <a:cs typeface="Arial" panose="020B0604020202020204" pitchFamily="34" charset="0"/>
+              </a:rPr>
+              <a:t> </a:t>
+            </a:r>
+            <a:r>
+              <a:rPr lang="en-US" sz="2000" dirty="0" err="1" smtClean="0">
+                <a:latin typeface="Arial" panose="020B0604020202020204" pitchFamily="34" charset="0"/>
+                <a:cs typeface="Arial" panose="020B0604020202020204" pitchFamily="34" charset="0"/>
+              </a:rPr>
+              <a:t>tính</a:t>
+            </a:r>
+            <a:r>
+              <a:rPr lang="en-US" sz="2000" dirty="0" smtClean="0">
+                <a:latin typeface="Arial" panose="020B0604020202020204" pitchFamily="34" charset="0"/>
+                <a:cs typeface="Arial" panose="020B0604020202020204" pitchFamily="34" charset="0"/>
+              </a:rPr>
+              <a:t> </a:t>
+            </a:r>
+            <a:r>
+              <a:rPr lang="en-US" sz="2000" dirty="0" err="1" smtClean="0">
+                <a:latin typeface="Arial" panose="020B0604020202020204" pitchFamily="34" charset="0"/>
+                <a:cs typeface="Arial" panose="020B0604020202020204" pitchFamily="34" charset="0"/>
+              </a:rPr>
+              <a:t>theo</a:t>
+            </a:r>
+            <a:r>
+              <a:rPr lang="en-US" sz="2000" dirty="0" smtClean="0">
+                <a:latin typeface="Arial" panose="020B0604020202020204" pitchFamily="34" charset="0"/>
+                <a:cs typeface="Arial" panose="020B0604020202020204" pitchFamily="34" charset="0"/>
+              </a:rPr>
+              <a:t> </a:t>
+            </a:r>
+            <a:r>
+              <a:rPr lang="en-US" sz="2000" dirty="0" err="1" smtClean="0">
+                <a:latin typeface="Arial" panose="020B0604020202020204" pitchFamily="34" charset="0"/>
+                <a:cs typeface="Arial" panose="020B0604020202020204" pitchFamily="34" charset="0"/>
+              </a:rPr>
+              <a:t>công</a:t>
+            </a:r>
+            <a:r>
+              <a:rPr lang="en-US" sz="2000" dirty="0" smtClean="0">
+                <a:latin typeface="Arial" panose="020B0604020202020204" pitchFamily="34" charset="0"/>
+                <a:cs typeface="Arial" panose="020B0604020202020204" pitchFamily="34" charset="0"/>
+              </a:rPr>
+              <a:t> </a:t>
+            </a:r>
+            <a:r>
+              <a:rPr lang="en-US" sz="2000" dirty="0" err="1" smtClean="0">
+                <a:latin typeface="Arial" panose="020B0604020202020204" pitchFamily="34" charset="0"/>
+                <a:cs typeface="Arial" panose="020B0604020202020204" pitchFamily="34" charset="0"/>
+              </a:rPr>
+              <a:t>thức</a:t>
+            </a:r>
+            <a:r>
+              <a:rPr lang="en-US" sz="2000" dirty="0" smtClean="0">
+                <a:latin typeface="Arial" panose="020B0604020202020204" pitchFamily="34" charset="0"/>
+                <a:cs typeface="Arial" panose="020B0604020202020204" pitchFamily="34" charset="0"/>
+              </a:rPr>
+              <a:t>:</a:t>
+            </a:r>
+          </a:p>
+          <a:p>
+            <a:pPr algn="just"/>
+            <a:endParaRPr lang="en-US" sz="2000" dirty="0">
+              <a:latin typeface="Arial" panose="020B0604020202020204" pitchFamily="34" charset="0"/>
+              <a:cs typeface="Arial" panose="020B0604020202020204" pitchFamily="34" charset="0"/>
+            </a:endParaRPr>
+          </a:p>
+          <a:p>
+            <a:pPr algn="just"/>
+            <a:r>
+              <a:rPr lang="en-US" sz="2000" dirty="0" smtClean="0">
+                <a:latin typeface="Arial" panose="020B0604020202020204" pitchFamily="34" charset="0"/>
+                <a:cs typeface="Arial" panose="020B0604020202020204" pitchFamily="34" charset="0"/>
+              </a:rPr>
+              <a:t> </a:t>
+            </a:r>
+          </a:p>
+          <a:p>
+            <a:pPr algn="just"/>
+            <a:endParaRPr lang="en-US" sz="2000" dirty="0" smtClean="0">
+              <a:latin typeface="Arial" panose="020B0604020202020204" pitchFamily="34" charset="0"/>
+              <a:cs typeface="Arial" panose="020B0604020202020204" pitchFamily="34" charset="0"/>
+            </a:endParaRPr>
+          </a:p>
+          <a:p>
+            <a:pPr algn="just"/>
+            <a:r>
+              <a:rPr lang="en-US" sz="2000" dirty="0" err="1" smtClean="0">
+                <a:latin typeface="Arial" panose="020B0604020202020204" pitchFamily="34" charset="0"/>
+                <a:cs typeface="Arial" panose="020B0604020202020204" pitchFamily="34" charset="0"/>
+              </a:rPr>
+              <a:t>Với</a:t>
+            </a:r>
+            <a:r>
+              <a:rPr lang="en-US" sz="2000" dirty="0" smtClean="0">
+                <a:latin typeface="Arial" panose="020B0604020202020204" pitchFamily="34" charset="0"/>
+                <a:cs typeface="Arial" panose="020B0604020202020204" pitchFamily="34" charset="0"/>
+              </a:rPr>
+              <a:t> </a:t>
+            </a:r>
+            <a:endParaRPr lang="en-US" sz="2000" dirty="0">
+              <a:latin typeface="Arial" panose="020B0604020202020204" pitchFamily="34" charset="0"/>
+              <a:cs typeface="Arial" panose="020B0604020202020204" pitchFamily="34" charset="0"/>
+            </a:endParaRPr>
+          </a:p>
+        </p:txBody>
+      </p:sp>
+      <p:sp>
+        <p:nvSpPr>
+          <p:cNvPr id="3" name="Date Placeholder 2"/>
+          <p:cNvSpPr>
+            <a:spLocks noGrp="1"/>
+          </p:cNvSpPr>
+          <p:nvPr>
+            <p:ph type="dt" sz="half" idx="10"/>
+          </p:nvPr>
+        </p:nvSpPr>
+        <p:spPr/>
+        <p:txBody>
+          <a:bodyPr/>
+          <a:lstStyle/>
+          <a:p>
+            <a:fld id="{D59BF656-772C-46B4-9346-08B45ECE93AC}" type="datetime1">
+              <a:rPr lang="en-US" smtClean="0"/>
+              <a:t>3/31/2020</a:t>
+            </a:fld>
+            <a:endParaRPr lang="en-US"/>
+          </a:p>
+        </p:txBody>
+      </p:sp>
+      <p:sp>
+        <p:nvSpPr>
+          <p:cNvPr id="7" name="Slide Number Placeholder 6"/>
+          <p:cNvSpPr>
+            <a:spLocks noGrp="1"/>
+          </p:cNvSpPr>
+          <p:nvPr>
+            <p:ph type="sldNum" sz="quarter" idx="12"/>
+          </p:nvPr>
+        </p:nvSpPr>
+        <p:spPr/>
+        <p:txBody>
+          <a:bodyPr/>
+          <a:lstStyle/>
+          <a:p>
+            <a:fld id="{506926C6-3DD3-4E5E-AE57-DE843B60E5AD}" type="slidenum">
+              <a:rPr lang="en-US" smtClean="0"/>
+              <a:t>10</a:t>
+            </a:fld>
+            <a:endParaRPr lang="en-US"/>
+          </a:p>
+        </p:txBody>
+      </p:sp>
+      <p:pic>
+        <p:nvPicPr>
+          <p:cNvPr id="16" name="Picture 15"/>
+          <p:cNvPicPr>
+            <a:picLocks noChangeAspect="1"/>
+          </p:cNvPicPr>
+          <p:nvPr/>
+        </p:nvPicPr>
+        <p:blipFill>
+          <a:blip r:embed="rId5"/>
+          <a:stretch>
+            <a:fillRect/>
+          </a:stretch>
+        </p:blipFill>
+        <p:spPr>
+          <a:xfrm>
+            <a:off x="400594" y="3185653"/>
+            <a:ext cx="1682151" cy="560717"/>
+          </a:xfrm>
+          <a:prstGeom prst="rect">
+            <a:avLst/>
+          </a:prstGeom>
+        </p:spPr>
+      </p:pic>
+      <p:pic>
+        <p:nvPicPr>
+          <p:cNvPr id="17" name="Picture 16"/>
+          <p:cNvPicPr>
+            <a:picLocks noChangeAspect="1"/>
+          </p:cNvPicPr>
+          <p:nvPr/>
+        </p:nvPicPr>
+        <p:blipFill>
+          <a:blip r:embed="rId6"/>
+          <a:stretch>
+            <a:fillRect/>
+          </a:stretch>
+        </p:blipFill>
+        <p:spPr>
+          <a:xfrm>
+            <a:off x="948787" y="3684480"/>
+            <a:ext cx="2267916" cy="1214955"/>
+          </a:xfrm>
+          <a:prstGeom prst="rect">
+            <a:avLst/>
+          </a:prstGeom>
+        </p:spPr>
+      </p:pic>
+      <p:pic>
+        <p:nvPicPr>
+          <p:cNvPr id="19" name="Picture 18"/>
+          <p:cNvPicPr>
+            <a:picLocks noChangeAspect="1"/>
+          </p:cNvPicPr>
+          <p:nvPr/>
+        </p:nvPicPr>
+        <p:blipFill>
+          <a:blip r:embed="rId7"/>
+          <a:stretch>
+            <a:fillRect/>
+          </a:stretch>
+        </p:blipFill>
+        <p:spPr>
+          <a:xfrm>
+            <a:off x="6679178" y="4418728"/>
+            <a:ext cx="3957939" cy="1022689"/>
+          </a:xfrm>
+          <a:prstGeom prst="rect">
+            <a:avLst/>
+          </a:prstGeom>
+        </p:spPr>
+      </p:pic>
+      <p:graphicFrame>
+        <p:nvGraphicFramePr>
+          <p:cNvPr id="20" name="Object 19"/>
+          <p:cNvGraphicFramePr>
+            <a:graphicFrameLocks noChangeAspect="1"/>
+          </p:cNvGraphicFramePr>
+          <p:nvPr>
+            <p:extLst>
+              <p:ext uri="{D42A27DB-BD31-4B8C-83A1-F6EECF244321}">
+                <p14:modId xmlns:p14="http://schemas.microsoft.com/office/powerpoint/2010/main" val="168412066"/>
+              </p:ext>
+            </p:extLst>
+          </p:nvPr>
+        </p:nvGraphicFramePr>
+        <p:xfrm>
+          <a:off x="4394200" y="2362200"/>
+          <a:ext cx="914400" cy="198438"/>
+        </p:xfrm>
+        <a:graphic>
+          <a:graphicData uri="http://schemas.openxmlformats.org/presentationml/2006/ole">
+            <mc:AlternateContent xmlns:mc="http://schemas.openxmlformats.org/markup-compatibility/2006">
+              <mc:Choice xmlns:v="urn:schemas-microsoft-com:vml" Requires="v">
+                <p:oleObj spid="_x0000_s1032" name="Equation" r:id="rId8" imgW="914400" imgH="198720" progId="Equation.DSMT4">
+                  <p:embed/>
+                </p:oleObj>
+              </mc:Choice>
+              <mc:Fallback>
+                <p:oleObj name="Equation" r:id="rId8" imgW="914400" imgH="198720" progId="Equation.DSMT4">
+                  <p:embed/>
+                  <p:pic>
+                    <p:nvPicPr>
+                      <p:cNvPr id="0" name=""/>
+                      <p:cNvPicPr/>
+                      <p:nvPr/>
+                    </p:nvPicPr>
+                    <p:blipFill>
+                      <a:blip r:embed="rId9"/>
+                      <a:stretch>
+                        <a:fillRect/>
+                      </a:stretch>
+                    </p:blipFill>
+                    <p:spPr>
+                      <a:xfrm>
+                        <a:off x="4394200" y="2362200"/>
+                        <a:ext cx="914400" cy="198438"/>
+                      </a:xfrm>
+                      <a:prstGeom prst="rect">
+                        <a:avLst/>
+                      </a:prstGeom>
+                    </p:spPr>
+                  </p:pic>
+                </p:oleObj>
+              </mc:Fallback>
+            </mc:AlternateContent>
+          </a:graphicData>
+        </a:graphic>
+      </p:graphicFrame>
+      <p:graphicFrame>
+        <p:nvGraphicFramePr>
+          <p:cNvPr id="22" name="Object 21"/>
+          <p:cNvGraphicFramePr>
+            <a:graphicFrameLocks noChangeAspect="1"/>
+          </p:cNvGraphicFramePr>
+          <p:nvPr>
+            <p:extLst>
+              <p:ext uri="{D42A27DB-BD31-4B8C-83A1-F6EECF244321}">
+                <p14:modId xmlns:p14="http://schemas.microsoft.com/office/powerpoint/2010/main" val="2216764349"/>
+              </p:ext>
+            </p:extLst>
+          </p:nvPr>
+        </p:nvGraphicFramePr>
+        <p:xfrm>
+          <a:off x="6007100" y="3325813"/>
+          <a:ext cx="177800" cy="203200"/>
+        </p:xfrm>
+        <a:graphic>
+          <a:graphicData uri="http://schemas.openxmlformats.org/presentationml/2006/ole">
+            <mc:AlternateContent xmlns:mc="http://schemas.openxmlformats.org/markup-compatibility/2006">
+              <mc:Choice xmlns:v="urn:schemas-microsoft-com:vml" Requires="v">
+                <p:oleObj spid="_x0000_s1033" name="Equation" r:id="rId10" imgW="177480" imgH="203040" progId="Equation.DSMT4">
+                  <p:embed/>
+                </p:oleObj>
+              </mc:Choice>
+              <mc:Fallback>
+                <p:oleObj name="Equation" r:id="rId10" imgW="177480" imgH="203040" progId="Equation.DSMT4">
+                  <p:embed/>
+                  <p:pic>
+                    <p:nvPicPr>
+                      <p:cNvPr id="0" name=""/>
+                      <p:cNvPicPr/>
+                      <p:nvPr/>
+                    </p:nvPicPr>
+                    <p:blipFill>
+                      <a:blip r:embed="rId11"/>
+                      <a:stretch>
+                        <a:fillRect/>
+                      </a:stretch>
+                    </p:blipFill>
+                    <p:spPr>
+                      <a:xfrm>
+                        <a:off x="6007100" y="3325813"/>
+                        <a:ext cx="177800" cy="203200"/>
+                      </a:xfrm>
+                      <a:prstGeom prst="rect">
+                        <a:avLst/>
+                      </a:prstGeom>
+                    </p:spPr>
+                  </p:pic>
+                </p:oleObj>
+              </mc:Fallback>
+            </mc:AlternateContent>
+          </a:graphicData>
+        </a:graphic>
+      </p:graphicFrame>
+      <p:pic>
+        <p:nvPicPr>
+          <p:cNvPr id="23" name="Picture 22"/>
+          <p:cNvPicPr>
+            <a:picLocks noChangeAspect="1"/>
+          </p:cNvPicPr>
+          <p:nvPr/>
+        </p:nvPicPr>
+        <p:blipFill>
+          <a:blip r:embed="rId12"/>
+          <a:stretch>
+            <a:fillRect/>
+          </a:stretch>
+        </p:blipFill>
+        <p:spPr>
+          <a:xfrm>
+            <a:off x="5045979" y="2396337"/>
+            <a:ext cx="7105798" cy="1857898"/>
+          </a:xfrm>
+          <a:prstGeom prst="rect">
+            <a:avLst/>
+          </a:prstGeom>
+        </p:spPr>
+      </p:pic>
+      <p:pic>
+        <p:nvPicPr>
+          <p:cNvPr id="26" name="Picture 25"/>
+          <p:cNvPicPr>
+            <a:picLocks noChangeAspect="1"/>
+          </p:cNvPicPr>
+          <p:nvPr/>
+        </p:nvPicPr>
+        <p:blipFill>
+          <a:blip r:embed="rId13"/>
+          <a:stretch>
+            <a:fillRect/>
+          </a:stretch>
+        </p:blipFill>
+        <p:spPr>
+          <a:xfrm>
+            <a:off x="9020168" y="2751025"/>
+            <a:ext cx="330866" cy="348280"/>
+          </a:xfrm>
+          <a:prstGeom prst="rect">
+            <a:avLst/>
+          </a:prstGeom>
+        </p:spPr>
+      </p:pic>
+      <p:pic>
+        <p:nvPicPr>
+          <p:cNvPr id="27" name="Picture 26"/>
+          <p:cNvPicPr>
+            <a:picLocks noChangeAspect="1"/>
+          </p:cNvPicPr>
+          <p:nvPr/>
+        </p:nvPicPr>
+        <p:blipFill>
+          <a:blip r:embed="rId13"/>
+          <a:stretch>
+            <a:fillRect/>
+          </a:stretch>
+        </p:blipFill>
+        <p:spPr>
+          <a:xfrm>
+            <a:off x="10330787" y="2539402"/>
+            <a:ext cx="366475" cy="385763"/>
+          </a:xfrm>
+          <a:prstGeom prst="rect">
+            <a:avLst/>
+          </a:prstGeom>
+        </p:spPr>
+      </p:pic>
+      <p:pic>
+        <p:nvPicPr>
+          <p:cNvPr id="28" name="Picture 27"/>
+          <p:cNvPicPr>
+            <a:picLocks noChangeAspect="1"/>
+          </p:cNvPicPr>
+          <p:nvPr/>
+        </p:nvPicPr>
+        <p:blipFill>
+          <a:blip r:embed="rId13"/>
+          <a:stretch>
+            <a:fillRect/>
+          </a:stretch>
+        </p:blipFill>
+        <p:spPr>
+          <a:xfrm>
+            <a:off x="10330787" y="3466011"/>
+            <a:ext cx="366475" cy="385763"/>
+          </a:xfrm>
+          <a:prstGeom prst="rect">
+            <a:avLst/>
+          </a:prstGeom>
+        </p:spPr>
+      </p:pic>
+      <p:sp>
+        <p:nvSpPr>
+          <p:cNvPr id="29" name="TextBox 28"/>
+          <p:cNvSpPr txBox="1"/>
+          <p:nvPr/>
+        </p:nvSpPr>
+        <p:spPr>
+          <a:xfrm>
+            <a:off x="339593" y="5317915"/>
+            <a:ext cx="3241807" cy="400110"/>
+          </a:xfrm>
+          <a:prstGeom prst="rect">
+            <a:avLst/>
+          </a:prstGeom>
+          <a:noFill/>
+        </p:spPr>
+        <p:txBody>
+          <a:bodyPr wrap="square" rtlCol="0">
+            <a:spAutoFit/>
+          </a:bodyPr>
+          <a:lstStyle/>
+          <a:p>
+            <a:r>
+              <a:rPr lang="en-US" sz="2000" dirty="0" err="1" smtClean="0">
+                <a:latin typeface="Arial" panose="020B0604020202020204" pitchFamily="34" charset="0"/>
+                <a:cs typeface="Arial" panose="020B0604020202020204" pitchFamily="34" charset="0"/>
+              </a:rPr>
+              <a:t>Pha</a:t>
+            </a:r>
+            <a:r>
+              <a:rPr lang="en-US" sz="2000" dirty="0" smtClean="0">
+                <a:latin typeface="Arial" panose="020B0604020202020204" pitchFamily="34" charset="0"/>
+                <a:cs typeface="Arial" panose="020B0604020202020204" pitchFamily="34" charset="0"/>
+              </a:rPr>
+              <a:t> </a:t>
+            </a:r>
+            <a:r>
+              <a:rPr lang="en-US" sz="2000" dirty="0" err="1" smtClean="0">
+                <a:latin typeface="Arial" panose="020B0604020202020204" pitchFamily="34" charset="0"/>
+                <a:cs typeface="Arial" panose="020B0604020202020204" pitchFamily="34" charset="0"/>
+              </a:rPr>
+              <a:t>đầu</a:t>
+            </a:r>
+            <a:r>
+              <a:rPr lang="en-US" sz="2000" dirty="0" smtClean="0">
+                <a:latin typeface="Arial" panose="020B0604020202020204" pitchFamily="34" charset="0"/>
+                <a:cs typeface="Arial" panose="020B0604020202020204" pitchFamily="34" charset="0"/>
+              </a:rPr>
+              <a:t> </a:t>
+            </a:r>
+            <a:r>
+              <a:rPr lang="en-US" sz="2000" dirty="0" err="1" smtClean="0">
+                <a:latin typeface="Arial" panose="020B0604020202020204" pitchFamily="34" charset="0"/>
+                <a:cs typeface="Arial" panose="020B0604020202020204" pitchFamily="34" charset="0"/>
+              </a:rPr>
+              <a:t>ra</a:t>
+            </a:r>
+            <a:r>
+              <a:rPr lang="en-US" sz="2000" dirty="0" smtClean="0">
+                <a:latin typeface="Arial" panose="020B0604020202020204" pitchFamily="34" charset="0"/>
+                <a:cs typeface="Arial" panose="020B0604020202020204" pitchFamily="34" charset="0"/>
+              </a:rPr>
+              <a:t>: </a:t>
+            </a:r>
+            <a:endParaRPr lang="en-US" sz="2000" dirty="0">
+              <a:latin typeface="Arial" panose="020B0604020202020204" pitchFamily="34" charset="0"/>
+              <a:cs typeface="Arial" panose="020B0604020202020204" pitchFamily="34" charset="0"/>
+            </a:endParaRPr>
+          </a:p>
+        </p:txBody>
+      </p:sp>
+      <p:pic>
+        <p:nvPicPr>
+          <p:cNvPr id="30" name="Picture 29"/>
+          <p:cNvPicPr>
+            <a:picLocks noChangeAspect="1"/>
+          </p:cNvPicPr>
+          <p:nvPr/>
+        </p:nvPicPr>
+        <p:blipFill>
+          <a:blip r:embed="rId14"/>
+          <a:stretch>
+            <a:fillRect/>
+          </a:stretch>
+        </p:blipFill>
+        <p:spPr>
+          <a:xfrm>
+            <a:off x="1988065" y="4759944"/>
+            <a:ext cx="3057913" cy="1390751"/>
+          </a:xfrm>
+          <a:prstGeom prst="rect">
+            <a:avLst/>
+          </a:prstGeom>
+        </p:spPr>
+      </p:pic>
+    </p:spTree>
+    <p:extLst>
+      <p:ext uri="{BB962C8B-B14F-4D97-AF65-F5344CB8AC3E}">
+        <p14:creationId xmlns:p14="http://schemas.microsoft.com/office/powerpoint/2010/main" val="4003757264"/>
       </p:ext>
     </p:extLst>
   </p:cSld>
@@ -16475,6 +18101,52 @@
               <a:latin typeface="Times New Roman" panose="02020603050405020304" pitchFamily="18" charset="0"/>
               <a:cs typeface="Times New Roman" panose="02020603050405020304" pitchFamily="18" charset="0"/>
             </a:endParaRPr>
+          </a:p>
+        </p:txBody>
+      </p:sp>
+      <p:sp>
+        <p:nvSpPr>
+          <p:cNvPr id="2" name="Date Placeholder 1"/>
+          <p:cNvSpPr>
+            <a:spLocks noGrp="1"/>
+          </p:cNvSpPr>
+          <p:nvPr>
+            <p:ph type="dt" sz="half" idx="10"/>
+          </p:nvPr>
+        </p:nvSpPr>
+        <p:spPr/>
+        <p:txBody>
+          <a:bodyPr/>
+          <a:lstStyle/>
+          <a:p>
+            <a:fld id="{809F3CC9-A5B8-4A1E-B44C-B2448F2EFCBF}" type="datetime1">
+              <a:rPr lang="en-US" smtClean="0"/>
+              <a:t>3/31/2020</a:t>
+            </a:fld>
+            <a:endParaRPr lang="en-US"/>
+          </a:p>
+        </p:txBody>
+      </p:sp>
+      <p:sp>
+        <p:nvSpPr>
+          <p:cNvPr id="3" name="Slide Number Placeholder 2"/>
+          <p:cNvSpPr>
+            <a:spLocks noGrp="1"/>
+          </p:cNvSpPr>
+          <p:nvPr>
+            <p:ph type="sldNum" sz="quarter" idx="12"/>
+          </p:nvPr>
+        </p:nvSpPr>
+        <p:spPr/>
+        <p:txBody>
+          <a:bodyPr/>
+          <a:lstStyle/>
+          <a:p>
+            <a:fld id="{506926C6-3DD3-4E5E-AE57-DE843B60E5AD}" type="slidenum">
+              <a:rPr lang="en-US" smtClean="0"/>
+              <a:t>2</a:t>
+            </a:fld>
+            <a:endParaRPr lang="en-US"/>
           </a:p>
         </p:txBody>
       </p:sp>
@@ -17970,6 +19642,52 @@
           </a:p>
         </p:txBody>
       </p:sp>
+      <p:sp>
+        <p:nvSpPr>
+          <p:cNvPr id="2" name="Date Placeholder 1"/>
+          <p:cNvSpPr>
+            <a:spLocks noGrp="1"/>
+          </p:cNvSpPr>
+          <p:nvPr>
+            <p:ph type="dt" sz="half" idx="10"/>
+          </p:nvPr>
+        </p:nvSpPr>
+        <p:spPr/>
+        <p:txBody>
+          <a:bodyPr/>
+          <a:lstStyle/>
+          <a:p>
+            <a:fld id="{A3608733-542D-4C70-89EC-327CA92DCEB8}" type="datetime1">
+              <a:rPr lang="en-US" smtClean="0"/>
+              <a:t>3/31/2020</a:t>
+            </a:fld>
+            <a:endParaRPr lang="en-US"/>
+          </a:p>
+        </p:txBody>
+      </p:sp>
+      <p:sp>
+        <p:nvSpPr>
+          <p:cNvPr id="3" name="Slide Number Placeholder 2"/>
+          <p:cNvSpPr>
+            <a:spLocks noGrp="1"/>
+          </p:cNvSpPr>
+          <p:nvPr>
+            <p:ph type="sldNum" sz="quarter" idx="12"/>
+          </p:nvPr>
+        </p:nvSpPr>
+        <p:spPr/>
+        <p:txBody>
+          <a:bodyPr/>
+          <a:lstStyle/>
+          <a:p>
+            <a:fld id="{506926C6-3DD3-4E5E-AE57-DE843B60E5AD}" type="slidenum">
+              <a:rPr lang="en-US" smtClean="0"/>
+              <a:t>3</a:t>
+            </a:fld>
+            <a:endParaRPr lang="en-US"/>
+          </a:p>
+        </p:txBody>
+      </p:sp>
     </p:spTree>
     <p:extLst>
       <p:ext uri="{BB962C8B-B14F-4D97-AF65-F5344CB8AC3E}">
@@ -18932,6 +20650,52 @@
           </a:fontRef>
         </p:style>
       </p:cxnSp>
+      <p:sp>
+        <p:nvSpPr>
+          <p:cNvPr id="3" name="Date Placeholder 2"/>
+          <p:cNvSpPr>
+            <a:spLocks noGrp="1"/>
+          </p:cNvSpPr>
+          <p:nvPr>
+            <p:ph type="dt" sz="half" idx="10"/>
+          </p:nvPr>
+        </p:nvSpPr>
+        <p:spPr/>
+        <p:txBody>
+          <a:bodyPr/>
+          <a:lstStyle/>
+          <a:p>
+            <a:fld id="{8429878B-2675-46A1-B7FA-1E7C9C9948F0}" type="datetime1">
+              <a:rPr lang="en-US" smtClean="0"/>
+              <a:t>3/31/2020</a:t>
+            </a:fld>
+            <a:endParaRPr lang="en-US"/>
+          </a:p>
+        </p:txBody>
+      </p:sp>
+      <p:sp>
+        <p:nvSpPr>
+          <p:cNvPr id="4" name="Slide Number Placeholder 3"/>
+          <p:cNvSpPr>
+            <a:spLocks noGrp="1"/>
+          </p:cNvSpPr>
+          <p:nvPr>
+            <p:ph type="sldNum" sz="quarter" idx="12"/>
+          </p:nvPr>
+        </p:nvSpPr>
+        <p:spPr/>
+        <p:txBody>
+          <a:bodyPr/>
+          <a:lstStyle/>
+          <a:p>
+            <a:fld id="{506926C6-3DD3-4E5E-AE57-DE843B60E5AD}" type="slidenum">
+              <a:rPr lang="en-US" smtClean="0"/>
+              <a:t>4</a:t>
+            </a:fld>
+            <a:endParaRPr lang="en-US"/>
+          </a:p>
+        </p:txBody>
+      </p:sp>
     </p:spTree>
     <p:extLst>
       <p:ext uri="{BB962C8B-B14F-4D97-AF65-F5344CB8AC3E}">
@@ -19149,54 +20913,6 @@
           <a:lstStyle/>
           <a:p>
             <a:pPr algn="ctr"/>
-            <a:r>
-              <a:rPr lang="en-US" dirty="0" err="1" smtClean="0"/>
-              <a:t>Mã</a:t>
-            </a:r>
-            <a:r>
-              <a:rPr lang="en-US" dirty="0" smtClean="0"/>
-              <a:t> </a:t>
-            </a:r>
-            <a:r>
-              <a:rPr lang="en-US" dirty="0" err="1" smtClean="0"/>
-              <a:t>hóa</a:t>
-            </a:r>
-            <a:r>
-              <a:rPr lang="en-US" dirty="0" smtClean="0"/>
-              <a:t> </a:t>
-            </a:r>
-            <a:r>
-              <a:rPr lang="en-US" dirty="0" err="1" smtClean="0"/>
-              <a:t>kênh</a:t>
-            </a:r>
-            <a:r>
-              <a:rPr lang="en-US" dirty="0" smtClean="0"/>
-              <a:t> </a:t>
-            </a:r>
-            <a:r>
-              <a:rPr lang="en-US" dirty="0" err="1" smtClean="0"/>
-              <a:t>với</a:t>
-            </a:r>
-            <a:r>
-              <a:rPr lang="en-US" dirty="0" smtClean="0"/>
-              <a:t> </a:t>
-            </a:r>
-            <a:r>
-              <a:rPr lang="en-US" dirty="0" err="1" smtClean="0"/>
-              <a:t>chuẩn</a:t>
-            </a:r>
-            <a:r>
-              <a:rPr lang="en-US" dirty="0" smtClean="0"/>
-              <a:t> TCH/FS </a:t>
-            </a:r>
-            <a:r>
-              <a:rPr lang="en-US" dirty="0" err="1" smtClean="0"/>
-              <a:t>trong</a:t>
-            </a:r>
-            <a:r>
-              <a:rPr lang="en-US" dirty="0" smtClean="0"/>
-              <a:t> GSM</a:t>
-            </a:r>
             <a:endParaRPr lang="en-US" dirty="0"/>
           </a:p>
         </p:txBody>
@@ -19567,6 +21283,52 @@
               <a:latin typeface="Arial" panose="020B0604020202020204" pitchFamily="34" charset="0"/>
               <a:cs typeface="Arial" panose="020B0604020202020204" pitchFamily="34" charset="0"/>
             </a:endParaRPr>
+          </a:p>
+        </p:txBody>
+      </p:sp>
+      <p:sp>
+        <p:nvSpPr>
+          <p:cNvPr id="2" name="Date Placeholder 1"/>
+          <p:cNvSpPr>
+            <a:spLocks noGrp="1"/>
+          </p:cNvSpPr>
+          <p:nvPr>
+            <p:ph type="dt" sz="half" idx="10"/>
+          </p:nvPr>
+        </p:nvSpPr>
+        <p:spPr/>
+        <p:txBody>
+          <a:bodyPr/>
+          <a:lstStyle/>
+          <a:p>
+            <a:fld id="{E639CDA9-9658-46CC-9D96-5B8EB5F28971}" type="datetime1">
+              <a:rPr lang="en-US" smtClean="0"/>
+              <a:t>3/31/2020</a:t>
+            </a:fld>
+            <a:endParaRPr lang="en-US"/>
+          </a:p>
+        </p:txBody>
+      </p:sp>
+      <p:sp>
+        <p:nvSpPr>
+          <p:cNvPr id="7" name="Slide Number Placeholder 6"/>
+          <p:cNvSpPr>
+            <a:spLocks noGrp="1"/>
+          </p:cNvSpPr>
+          <p:nvPr>
+            <p:ph type="sldNum" sz="quarter" idx="12"/>
+          </p:nvPr>
+        </p:nvSpPr>
+        <p:spPr/>
+        <p:txBody>
+          <a:bodyPr/>
+          <a:lstStyle/>
+          <a:p>
+            <a:fld id="{506926C6-3DD3-4E5E-AE57-DE843B60E5AD}" type="slidenum">
+              <a:rPr lang="en-US" smtClean="0"/>
+              <a:t>5</a:t>
+            </a:fld>
+            <a:endParaRPr lang="en-US"/>
           </a:p>
         </p:txBody>
       </p:sp>
@@ -20624,6 +22386,52 @@
           </a:prstGeom>
         </p:spPr>
       </p:pic>
+      <p:sp>
+        <p:nvSpPr>
+          <p:cNvPr id="2" name="Date Placeholder 1"/>
+          <p:cNvSpPr>
+            <a:spLocks noGrp="1"/>
+          </p:cNvSpPr>
+          <p:nvPr>
+            <p:ph type="dt" sz="half" idx="10"/>
+          </p:nvPr>
+        </p:nvSpPr>
+        <p:spPr/>
+        <p:txBody>
+          <a:bodyPr/>
+          <a:lstStyle/>
+          <a:p>
+            <a:fld id="{B0D19C22-DBDD-438B-97DE-5CC915AFBDC3}" type="datetime1">
+              <a:rPr lang="en-US" smtClean="0"/>
+              <a:t>3/31/2020</a:t>
+            </a:fld>
+            <a:endParaRPr lang="en-US"/>
+          </a:p>
+        </p:txBody>
+      </p:sp>
+      <p:sp>
+        <p:nvSpPr>
+          <p:cNvPr id="3" name="Slide Number Placeholder 2"/>
+          <p:cNvSpPr>
+            <a:spLocks noGrp="1"/>
+          </p:cNvSpPr>
+          <p:nvPr>
+            <p:ph type="sldNum" sz="quarter" idx="12"/>
+          </p:nvPr>
+        </p:nvSpPr>
+        <p:spPr/>
+        <p:txBody>
+          <a:bodyPr/>
+          <a:lstStyle/>
+          <a:p>
+            <a:fld id="{506926C6-3DD3-4E5E-AE57-DE843B60E5AD}" type="slidenum">
+              <a:rPr lang="en-US" smtClean="0"/>
+              <a:t>6</a:t>
+            </a:fld>
+            <a:endParaRPr lang="en-US"/>
+          </a:p>
+        </p:txBody>
+      </p:sp>
     </p:spTree>
     <p:extLst>
       <p:ext uri="{BB962C8B-B14F-4D97-AF65-F5344CB8AC3E}">
@@ -20802,8 +22610,8 @@
         </p:nvSpPr>
         <p:spPr>
           <a:xfrm>
-            <a:off x="640080" y="1312675"/>
-            <a:ext cx="5915995" cy="2554545"/>
+            <a:off x="561190" y="1657749"/>
+            <a:ext cx="4741469" cy="3170099"/>
           </a:xfrm>
           <a:prstGeom prst="rect">
             <a:avLst/>
@@ -21267,10 +23075,1699 @@
           </a:p>
         </p:txBody>
       </p:sp>
+      <p:pic>
+        <p:nvPicPr>
+          <p:cNvPr id="2" name="Picture 1"/>
+          <p:cNvPicPr>
+            <a:picLocks noChangeAspect="1"/>
+          </p:cNvPicPr>
+          <p:nvPr/>
+        </p:nvPicPr>
+        <p:blipFill>
+          <a:blip r:embed="rId4"/>
+          <a:stretch>
+            <a:fillRect/>
+          </a:stretch>
+        </p:blipFill>
+        <p:spPr>
+          <a:xfrm>
+            <a:off x="5381549" y="1694058"/>
+            <a:ext cx="6553200" cy="2619375"/>
+          </a:xfrm>
+          <a:prstGeom prst="rect">
+            <a:avLst/>
+          </a:prstGeom>
+        </p:spPr>
+      </p:pic>
+      <p:sp>
+        <p:nvSpPr>
+          <p:cNvPr id="3" name="TextBox 2"/>
+          <p:cNvSpPr txBox="1"/>
+          <p:nvPr/>
+        </p:nvSpPr>
+        <p:spPr>
+          <a:xfrm>
+            <a:off x="7315200" y="4789073"/>
+            <a:ext cx="3157268" cy="369332"/>
+          </a:xfrm>
+          <a:prstGeom prst="rect">
+            <a:avLst/>
+          </a:prstGeom>
+          <a:noFill/>
+        </p:spPr>
+        <p:txBody>
+          <a:bodyPr wrap="square" rtlCol="0">
+            <a:spAutoFit/>
+          </a:bodyPr>
+          <a:lstStyle/>
+          <a:p>
+            <a:pPr algn="ctr"/>
+            <a:r>
+              <a:rPr lang="en-US" dirty="0" smtClean="0">
+                <a:latin typeface="Arial" panose="020B0604020202020204" pitchFamily="34" charset="0"/>
+                <a:cs typeface="Arial" panose="020B0604020202020204" pitchFamily="34" charset="0"/>
+              </a:rPr>
+              <a:t>Interleaving </a:t>
+            </a:r>
+            <a:r>
+              <a:rPr lang="en-US" dirty="0" err="1" smtClean="0">
+                <a:latin typeface="Arial" panose="020B0604020202020204" pitchFamily="34" charset="0"/>
+                <a:cs typeface="Arial" panose="020B0604020202020204" pitchFamily="34" charset="0"/>
+              </a:rPr>
+              <a:t>trong</a:t>
+            </a:r>
+            <a:r>
+              <a:rPr lang="en-US" dirty="0" smtClean="0">
+                <a:latin typeface="Arial" panose="020B0604020202020204" pitchFamily="34" charset="0"/>
+                <a:cs typeface="Arial" panose="020B0604020202020204" pitchFamily="34" charset="0"/>
+              </a:rPr>
+              <a:t> GSM</a:t>
+            </a:r>
+            <a:endParaRPr lang="en-US" dirty="0">
+              <a:latin typeface="Arial" panose="020B0604020202020204" pitchFamily="34" charset="0"/>
+              <a:cs typeface="Arial" panose="020B0604020202020204" pitchFamily="34" charset="0"/>
+            </a:endParaRPr>
+          </a:p>
+        </p:txBody>
+      </p:sp>
+      <p:sp>
+        <p:nvSpPr>
+          <p:cNvPr id="4" name="Date Placeholder 3"/>
+          <p:cNvSpPr>
+            <a:spLocks noGrp="1"/>
+          </p:cNvSpPr>
+          <p:nvPr>
+            <p:ph type="dt" sz="half" idx="10"/>
+          </p:nvPr>
+        </p:nvSpPr>
+        <p:spPr/>
+        <p:txBody>
+          <a:bodyPr/>
+          <a:lstStyle/>
+          <a:p>
+            <a:fld id="{FBA2C8E6-A4E5-4F7E-8CBA-060D56077A6B}" type="datetime1">
+              <a:rPr lang="en-US" smtClean="0"/>
+              <a:t>3/31/2020</a:t>
+            </a:fld>
+            <a:endParaRPr lang="en-US"/>
+          </a:p>
+        </p:txBody>
+      </p:sp>
+      <p:sp>
+        <p:nvSpPr>
+          <p:cNvPr id="7" name="Slide Number Placeholder 6"/>
+          <p:cNvSpPr>
+            <a:spLocks noGrp="1"/>
+          </p:cNvSpPr>
+          <p:nvPr>
+            <p:ph type="sldNum" sz="quarter" idx="12"/>
+          </p:nvPr>
+        </p:nvSpPr>
+        <p:spPr/>
+        <p:txBody>
+          <a:bodyPr/>
+          <a:lstStyle/>
+          <a:p>
+            <a:fld id="{506926C6-3DD3-4E5E-AE57-DE843B60E5AD}" type="slidenum">
+              <a:rPr lang="en-US" smtClean="0"/>
+              <a:t>7</a:t>
+            </a:fld>
+            <a:endParaRPr lang="en-US"/>
+          </a:p>
+        </p:txBody>
+      </p:sp>
     </p:spTree>
     <p:extLst>
       <p:ext uri="{BB962C8B-B14F-4D97-AF65-F5344CB8AC3E}">
         <p14:creationId xmlns:p14="http://schemas.microsoft.com/office/powerpoint/2010/main" val="1288844639"/>
+      </p:ext>
+    </p:extLst>
+  </p:cSld>
+  <p:clrMapOvr>
+    <a:masterClrMapping/>
+  </p:clrMapOvr>
+  <p:timing>
+    <p:tnLst>
+      <p:par>
+        <p:cTn id="1" dur="indefinite" restart="never" nodeType="tmRoot"/>
+      </p:par>
+    </p:tnLst>
+  </p:timing>
+</p:sld>
+</file>
+
+<file path=ppt/slides/slide8.xml><?xml version="1.0" encoding="utf-8"?>
+<p:sld xmlns:a="http://schemas.openxmlformats.org/drawingml/2006/main" xmlns:r="http://schemas.openxmlformats.org/officeDocument/2006/relationships" xmlns:p="http://schemas.openxmlformats.org/presentationml/2006/main">
+  <p:cSld>
+    <p:spTree>
+      <p:nvGrpSpPr>
+        <p:cNvPr id="1" name=""/>
+        <p:cNvGrpSpPr/>
+        <p:nvPr/>
+      </p:nvGrpSpPr>
+      <p:grpSpPr>
+        <a:xfrm>
+          <a:off x="0" y="0"/>
+          <a:ext cx="0" cy="0"/>
+          <a:chOff x="0" y="0"/>
+          <a:chExt cx="0" cy="0"/>
+        </a:xfrm>
+      </p:grpSpPr>
+      <p:cxnSp>
+        <p:nvCxnSpPr>
+          <p:cNvPr id="5" name="Straight Connector 4"/>
+          <p:cNvCxnSpPr/>
+          <p:nvPr/>
+        </p:nvCxnSpPr>
+        <p:spPr>
+          <a:xfrm>
+            <a:off x="640080" y="849085"/>
+            <a:ext cx="10910806" cy="0"/>
+          </a:xfrm>
+          <a:prstGeom prst="line">
+            <a:avLst/>
+          </a:prstGeom>
+        </p:spPr>
+        <p:style>
+          <a:lnRef idx="1">
+            <a:schemeClr val="accent1"/>
+          </a:lnRef>
+          <a:fillRef idx="0">
+            <a:schemeClr val="accent1"/>
+          </a:fillRef>
+          <a:effectRef idx="0">
+            <a:schemeClr val="accent1"/>
+          </a:effectRef>
+          <a:fontRef idx="minor">
+            <a:schemeClr val="tx1"/>
+          </a:fontRef>
+        </p:style>
+      </p:cxnSp>
+      <p:cxnSp>
+        <p:nvCxnSpPr>
+          <p:cNvPr id="9" name="Straight Connector 8"/>
+          <p:cNvCxnSpPr/>
+          <p:nvPr/>
+        </p:nvCxnSpPr>
+        <p:spPr>
+          <a:xfrm flipV="1">
+            <a:off x="400594" y="6082937"/>
+            <a:ext cx="11341745" cy="13062"/>
+          </a:xfrm>
+          <a:prstGeom prst="line">
+            <a:avLst/>
+          </a:prstGeom>
+        </p:spPr>
+        <p:style>
+          <a:lnRef idx="1">
+            <a:schemeClr val="accent1"/>
+          </a:lnRef>
+          <a:fillRef idx="0">
+            <a:schemeClr val="accent1"/>
+          </a:fillRef>
+          <a:effectRef idx="0">
+            <a:schemeClr val="accent1"/>
+          </a:effectRef>
+          <a:fontRef idx="minor">
+            <a:schemeClr val="tx1"/>
+          </a:fontRef>
+        </p:style>
+      </p:cxnSp>
+      <p:sp>
+        <p:nvSpPr>
+          <p:cNvPr id="11" name="TextBox 10"/>
+          <p:cNvSpPr txBox="1"/>
+          <p:nvPr/>
+        </p:nvSpPr>
+        <p:spPr>
+          <a:xfrm>
+            <a:off x="2931925" y="418198"/>
+            <a:ext cx="5726224" cy="430887"/>
+          </a:xfrm>
+          <a:prstGeom prst="rect">
+            <a:avLst/>
+          </a:prstGeom>
+          <a:noFill/>
+        </p:spPr>
+        <p:txBody>
+          <a:bodyPr wrap="square" rtlCol="0">
+            <a:spAutoFit/>
+          </a:bodyPr>
+          <a:lstStyle/>
+          <a:p>
+            <a:pPr lvl="1" algn="ctr"/>
+            <a:r>
+              <a:rPr lang="en-US" sz="2200" b="1" dirty="0" smtClean="0">
+                <a:solidFill>
+                  <a:schemeClr val="accent5"/>
+                </a:solidFill>
+                <a:latin typeface="Times New Roman" panose="02020603050405020304" pitchFamily="18" charset="0"/>
+                <a:cs typeface="Times New Roman" panose="02020603050405020304" pitchFamily="18" charset="0"/>
+              </a:rPr>
+              <a:t>MAPPING ON A BURST</a:t>
+            </a:r>
+            <a:endParaRPr lang="en-US" sz="2200" b="1" dirty="0">
+              <a:solidFill>
+                <a:schemeClr val="accent5"/>
+              </a:solidFill>
+              <a:latin typeface="Times New Roman" panose="02020603050405020304" pitchFamily="18" charset="0"/>
+              <a:cs typeface="Times New Roman" panose="02020603050405020304" pitchFamily="18" charset="0"/>
+            </a:endParaRPr>
+          </a:p>
+        </p:txBody>
+      </p:sp>
+      <p:pic>
+        <p:nvPicPr>
+          <p:cNvPr id="15" name="Picture 14"/>
+          <p:cNvPicPr>
+            <a:picLocks noChangeAspect="1"/>
+          </p:cNvPicPr>
+          <p:nvPr/>
+        </p:nvPicPr>
+        <p:blipFill>
+          <a:blip r:embed="rId3">
+            <a:extLst>
+              <a:ext uri="{28A0092B-C50C-407E-A947-70E740481C1C}">
+                <a14:useLocalDpi xmlns:a14="http://schemas.microsoft.com/office/drawing/2010/main" val="0"/>
+              </a:ext>
+            </a:extLst>
+          </a:blip>
+          <a:stretch>
+            <a:fillRect/>
+          </a:stretch>
+        </p:blipFill>
+        <p:spPr>
+          <a:xfrm>
+            <a:off x="10949994" y="4112"/>
+            <a:ext cx="1201783" cy="1201783"/>
+          </a:xfrm>
+          <a:prstGeom prst="rect">
+            <a:avLst/>
+          </a:prstGeom>
+        </p:spPr>
+      </p:pic>
+      <p:sp>
+        <p:nvSpPr>
+          <p:cNvPr id="6" name="TextBox 5"/>
+          <p:cNvSpPr txBox="1"/>
+          <p:nvPr/>
+        </p:nvSpPr>
+        <p:spPr>
+          <a:xfrm>
+            <a:off x="237231" y="1791265"/>
+            <a:ext cx="4896744" cy="3170099"/>
+          </a:xfrm>
+          <a:prstGeom prst="rect">
+            <a:avLst/>
+          </a:prstGeom>
+          <a:noFill/>
+        </p:spPr>
+        <p:txBody>
+          <a:bodyPr wrap="square" rtlCol="0">
+            <a:spAutoFit/>
+          </a:bodyPr>
+          <a:lstStyle/>
+          <a:p>
+            <a:pPr algn="just"/>
+            <a:r>
+              <a:rPr lang="en-US" sz="2000" dirty="0" err="1" smtClean="0">
+                <a:latin typeface="Arial" panose="020B0604020202020204" pitchFamily="34" charset="0"/>
+                <a:cs typeface="Arial" panose="020B0604020202020204" pitchFamily="34" charset="0"/>
+              </a:rPr>
+              <a:t>Sau</a:t>
+            </a:r>
+            <a:r>
+              <a:rPr lang="en-US" sz="2000" dirty="0" smtClean="0">
+                <a:latin typeface="Arial" panose="020B0604020202020204" pitchFamily="34" charset="0"/>
+                <a:cs typeface="Arial" panose="020B0604020202020204" pitchFamily="34" charset="0"/>
+              </a:rPr>
+              <a:t> </a:t>
+            </a:r>
+            <a:r>
+              <a:rPr lang="en-US" sz="2000" dirty="0" err="1" smtClean="0">
+                <a:latin typeface="Arial" panose="020B0604020202020204" pitchFamily="34" charset="0"/>
+                <a:cs typeface="Arial" panose="020B0604020202020204" pitchFamily="34" charset="0"/>
+              </a:rPr>
+              <a:t>xen</a:t>
+            </a:r>
+            <a:r>
+              <a:rPr lang="en-US" sz="2000" dirty="0" smtClean="0">
+                <a:latin typeface="Arial" panose="020B0604020202020204" pitchFamily="34" charset="0"/>
+                <a:cs typeface="Arial" panose="020B0604020202020204" pitchFamily="34" charset="0"/>
+              </a:rPr>
+              <a:t> </a:t>
+            </a:r>
+            <a:r>
+              <a:rPr lang="en-US" sz="2000" dirty="0" err="1" smtClean="0">
+                <a:latin typeface="Arial" panose="020B0604020202020204" pitchFamily="34" charset="0"/>
+                <a:cs typeface="Arial" panose="020B0604020202020204" pitchFamily="34" charset="0"/>
+              </a:rPr>
+              <a:t>kẽ</a:t>
+            </a:r>
+            <a:r>
+              <a:rPr lang="en-US" sz="2000" dirty="0" smtClean="0">
+                <a:latin typeface="Arial" panose="020B0604020202020204" pitchFamily="34" charset="0"/>
+                <a:cs typeface="Arial" panose="020B0604020202020204" pitchFamily="34" charset="0"/>
+              </a:rPr>
+              <a:t>, </a:t>
+            </a:r>
+            <a:r>
+              <a:rPr lang="en-US" sz="2000" dirty="0" err="1" smtClean="0">
+                <a:latin typeface="Arial" panose="020B0604020202020204" pitchFamily="34" charset="0"/>
+                <a:cs typeface="Arial" panose="020B0604020202020204" pitchFamily="34" charset="0"/>
+              </a:rPr>
+              <a:t>các</a:t>
+            </a:r>
+            <a:r>
+              <a:rPr lang="en-US" sz="2000" dirty="0" smtClean="0">
+                <a:latin typeface="Arial" panose="020B0604020202020204" pitchFamily="34" charset="0"/>
+                <a:cs typeface="Arial" panose="020B0604020202020204" pitchFamily="34" charset="0"/>
+              </a:rPr>
+              <a:t> bits </a:t>
+            </a:r>
+            <a:r>
+              <a:rPr lang="en-US" sz="2000" dirty="0" err="1" smtClean="0">
+                <a:latin typeface="Arial" panose="020B0604020202020204" pitchFamily="34" charset="0"/>
+                <a:cs typeface="Arial" panose="020B0604020202020204" pitchFamily="34" charset="0"/>
+              </a:rPr>
+              <a:t>được</a:t>
+            </a:r>
+            <a:r>
+              <a:rPr lang="en-US" sz="2000" dirty="0" smtClean="0">
+                <a:latin typeface="Arial" panose="020B0604020202020204" pitchFamily="34" charset="0"/>
+                <a:cs typeface="Arial" panose="020B0604020202020204" pitchFamily="34" charset="0"/>
+              </a:rPr>
+              <a:t> </a:t>
+            </a:r>
+            <a:r>
+              <a:rPr lang="en-US" sz="2000" dirty="0" err="1" smtClean="0">
+                <a:latin typeface="Arial" panose="020B0604020202020204" pitchFamily="34" charset="0"/>
+                <a:cs typeface="Arial" panose="020B0604020202020204" pitchFamily="34" charset="0"/>
+              </a:rPr>
+              <a:t>xếp</a:t>
+            </a:r>
+            <a:r>
+              <a:rPr lang="en-US" sz="2000" dirty="0" smtClean="0">
+                <a:latin typeface="Arial" panose="020B0604020202020204" pitchFamily="34" charset="0"/>
+                <a:cs typeface="Arial" panose="020B0604020202020204" pitchFamily="34" charset="0"/>
+              </a:rPr>
+              <a:t> </a:t>
+            </a:r>
+            <a:r>
+              <a:rPr lang="en-US" sz="2000" dirty="0" err="1" smtClean="0">
+                <a:latin typeface="Arial" panose="020B0604020202020204" pitchFamily="34" charset="0"/>
+                <a:cs typeface="Arial" panose="020B0604020202020204" pitchFamily="34" charset="0"/>
+              </a:rPr>
+              <a:t>thành</a:t>
+            </a:r>
+            <a:r>
+              <a:rPr lang="en-US" sz="2000" dirty="0" smtClean="0">
+                <a:latin typeface="Arial" panose="020B0604020202020204" pitchFamily="34" charset="0"/>
+                <a:cs typeface="Arial" panose="020B0604020202020204" pitchFamily="34" charset="0"/>
+              </a:rPr>
+              <a:t> </a:t>
+            </a:r>
+            <a:r>
+              <a:rPr lang="en-US" sz="2000" dirty="0" err="1" smtClean="0">
+                <a:latin typeface="Arial" panose="020B0604020202020204" pitchFamily="34" charset="0"/>
+                <a:cs typeface="Arial" panose="020B0604020202020204" pitchFamily="34" charset="0"/>
+              </a:rPr>
+              <a:t>các</a:t>
+            </a:r>
+            <a:r>
+              <a:rPr lang="en-US" sz="2000" dirty="0" smtClean="0">
+                <a:latin typeface="Arial" panose="020B0604020202020204" pitchFamily="34" charset="0"/>
+                <a:cs typeface="Arial" panose="020B0604020202020204" pitchFamily="34" charset="0"/>
+              </a:rPr>
+              <a:t> </a:t>
+            </a:r>
+            <a:r>
+              <a:rPr lang="en-US" sz="2000" dirty="0" err="1" smtClean="0">
+                <a:latin typeface="Arial" panose="020B0604020202020204" pitchFamily="34" charset="0"/>
+                <a:cs typeface="Arial" panose="020B0604020202020204" pitchFamily="34" charset="0"/>
+              </a:rPr>
+              <a:t>cụm</a:t>
+            </a:r>
+            <a:r>
+              <a:rPr lang="en-US" sz="2000" dirty="0" smtClean="0">
+                <a:latin typeface="Arial" panose="020B0604020202020204" pitchFamily="34" charset="0"/>
+                <a:cs typeface="Arial" panose="020B0604020202020204" pitchFamily="34" charset="0"/>
+              </a:rPr>
+              <a:t> (burst)</a:t>
+            </a:r>
+          </a:p>
+          <a:p>
+            <a:pPr algn="just"/>
+            <a:endParaRPr lang="en-US" sz="2000" dirty="0">
+              <a:latin typeface="Arial" panose="020B0604020202020204" pitchFamily="34" charset="0"/>
+              <a:cs typeface="Arial" panose="020B0604020202020204" pitchFamily="34" charset="0"/>
+            </a:endParaRPr>
+          </a:p>
+          <a:p>
+            <a:pPr algn="just"/>
+            <a:r>
+              <a:rPr lang="en-US" sz="2000" dirty="0" err="1" smtClean="0">
+                <a:latin typeface="Arial" panose="020B0604020202020204" pitchFamily="34" charset="0"/>
+                <a:cs typeface="Arial" panose="020B0604020202020204" pitchFamily="34" charset="0"/>
+              </a:rPr>
+              <a:t>Các</a:t>
+            </a:r>
+            <a:r>
+              <a:rPr lang="en-US" sz="2000" dirty="0" smtClean="0">
+                <a:latin typeface="Arial" panose="020B0604020202020204" pitchFamily="34" charset="0"/>
+                <a:cs typeface="Arial" panose="020B0604020202020204" pitchFamily="34" charset="0"/>
+              </a:rPr>
+              <a:t> </a:t>
+            </a:r>
+            <a:r>
+              <a:rPr lang="en-US" sz="2000" dirty="0" err="1" smtClean="0">
+                <a:latin typeface="Arial" panose="020B0604020202020204" pitchFamily="34" charset="0"/>
+                <a:cs typeface="Arial" panose="020B0604020202020204" pitchFamily="34" charset="0"/>
+              </a:rPr>
+              <a:t>loại</a:t>
+            </a:r>
+            <a:r>
+              <a:rPr lang="en-US" sz="2000" dirty="0" smtClean="0">
+                <a:latin typeface="Arial" panose="020B0604020202020204" pitchFamily="34" charset="0"/>
+                <a:cs typeface="Arial" panose="020B0604020202020204" pitchFamily="34" charset="0"/>
+              </a:rPr>
+              <a:t> burst </a:t>
+            </a:r>
+            <a:r>
+              <a:rPr lang="en-US" sz="2000" dirty="0" err="1" smtClean="0">
+                <a:latin typeface="Arial" panose="020B0604020202020204" pitchFamily="34" charset="0"/>
+                <a:cs typeface="Arial" panose="020B0604020202020204" pitchFamily="34" charset="0"/>
+              </a:rPr>
+              <a:t>trong</a:t>
+            </a:r>
+            <a:r>
+              <a:rPr lang="en-US" sz="2000" dirty="0" smtClean="0">
+                <a:latin typeface="Arial" panose="020B0604020202020204" pitchFamily="34" charset="0"/>
+                <a:cs typeface="Arial" panose="020B0604020202020204" pitchFamily="34" charset="0"/>
+              </a:rPr>
+              <a:t> GSM:</a:t>
+            </a:r>
+          </a:p>
+          <a:p>
+            <a:pPr algn="just"/>
+            <a:r>
+              <a:rPr lang="en-US" sz="2000" dirty="0" smtClean="0">
+                <a:latin typeface="Arial" panose="020B0604020202020204" pitchFamily="34" charset="0"/>
+                <a:cs typeface="Arial" panose="020B0604020202020204" pitchFamily="34" charset="0"/>
+              </a:rPr>
+              <a:t>Normal burst uplink and downlink</a:t>
+            </a:r>
+          </a:p>
+          <a:p>
+            <a:pPr algn="just"/>
+            <a:r>
+              <a:rPr lang="en-US" sz="2000" dirty="0" err="1" smtClean="0">
+                <a:latin typeface="Arial" panose="020B0604020202020204" pitchFamily="34" charset="0"/>
+                <a:cs typeface="Arial" panose="020B0604020202020204" pitchFamily="34" charset="0"/>
+              </a:rPr>
+              <a:t>Synchronisation</a:t>
+            </a:r>
+            <a:r>
+              <a:rPr lang="en-US" sz="2000" dirty="0" smtClean="0">
+                <a:latin typeface="Arial" panose="020B0604020202020204" pitchFamily="34" charset="0"/>
+                <a:cs typeface="Arial" panose="020B0604020202020204" pitchFamily="34" charset="0"/>
+              </a:rPr>
+              <a:t> burst downlink</a:t>
+            </a:r>
+          </a:p>
+          <a:p>
+            <a:pPr algn="just"/>
+            <a:r>
+              <a:rPr lang="en-US" sz="2000" dirty="0" smtClean="0">
+                <a:latin typeface="Arial" panose="020B0604020202020204" pitchFamily="34" charset="0"/>
+                <a:cs typeface="Arial" panose="020B0604020202020204" pitchFamily="34" charset="0"/>
+              </a:rPr>
+              <a:t>Frequency correction burst downlink</a:t>
+            </a:r>
+          </a:p>
+          <a:p>
+            <a:pPr algn="just"/>
+            <a:r>
+              <a:rPr lang="en-US" sz="2000" dirty="0" smtClean="0">
+                <a:latin typeface="Arial" panose="020B0604020202020204" pitchFamily="34" charset="0"/>
+                <a:cs typeface="Arial" panose="020B0604020202020204" pitchFamily="34" charset="0"/>
+              </a:rPr>
+              <a:t>Random Access( Shortened burst) uplink</a:t>
+            </a:r>
+          </a:p>
+          <a:p>
+            <a:pPr algn="just"/>
+            <a:endParaRPr lang="en-US" sz="2000" dirty="0">
+              <a:latin typeface="Arial" panose="020B0604020202020204" pitchFamily="34" charset="0"/>
+              <a:cs typeface="Arial" panose="020B0604020202020204" pitchFamily="34" charset="0"/>
+            </a:endParaRPr>
+          </a:p>
+          <a:p>
+            <a:pPr algn="just"/>
+            <a:endParaRPr lang="en-US" sz="2000" dirty="0">
+              <a:latin typeface="Arial" panose="020B0604020202020204" pitchFamily="34" charset="0"/>
+              <a:cs typeface="Arial" panose="020B0604020202020204" pitchFamily="34" charset="0"/>
+            </a:endParaRPr>
+          </a:p>
+        </p:txBody>
+      </p:sp>
+      <p:sp>
+        <p:nvSpPr>
+          <p:cNvPr id="7" name="TextBox 6"/>
+          <p:cNvSpPr txBox="1"/>
+          <p:nvPr/>
+        </p:nvSpPr>
+        <p:spPr>
+          <a:xfrm>
+            <a:off x="6504316" y="3944054"/>
+            <a:ext cx="638355" cy="646331"/>
+          </a:xfrm>
+          <a:prstGeom prst="rect">
+            <a:avLst/>
+          </a:prstGeom>
+          <a:noFill/>
+        </p:spPr>
+        <p:txBody>
+          <a:bodyPr wrap="square" rtlCol="0">
+            <a:spAutoFit/>
+          </a:bodyPr>
+          <a:lstStyle/>
+          <a:p>
+            <a:r>
+              <a:rPr lang="en-US" dirty="0" smtClean="0">
+                <a:latin typeface="Arial" panose="020B0604020202020204" pitchFamily="34" charset="0"/>
+                <a:cs typeface="Arial" panose="020B0604020202020204" pitchFamily="34" charset="0"/>
+              </a:rPr>
+              <a:t>Tail bits</a:t>
+            </a:r>
+            <a:endParaRPr lang="en-US" dirty="0">
+              <a:latin typeface="Arial" panose="020B0604020202020204" pitchFamily="34" charset="0"/>
+              <a:cs typeface="Arial" panose="020B0604020202020204" pitchFamily="34" charset="0"/>
+            </a:endParaRPr>
+          </a:p>
+        </p:txBody>
+      </p:sp>
+      <p:sp>
+        <p:nvSpPr>
+          <p:cNvPr id="12" name="TextBox 11"/>
+          <p:cNvSpPr txBox="1"/>
+          <p:nvPr/>
+        </p:nvSpPr>
+        <p:spPr>
+          <a:xfrm>
+            <a:off x="10765766" y="4005016"/>
+            <a:ext cx="638355" cy="646331"/>
+          </a:xfrm>
+          <a:prstGeom prst="rect">
+            <a:avLst/>
+          </a:prstGeom>
+          <a:noFill/>
+        </p:spPr>
+        <p:txBody>
+          <a:bodyPr wrap="square" rtlCol="0">
+            <a:spAutoFit/>
+          </a:bodyPr>
+          <a:lstStyle/>
+          <a:p>
+            <a:r>
+              <a:rPr lang="en-US" dirty="0" smtClean="0">
+                <a:latin typeface="Arial" panose="020B0604020202020204" pitchFamily="34" charset="0"/>
+                <a:cs typeface="Arial" panose="020B0604020202020204" pitchFamily="34" charset="0"/>
+              </a:rPr>
+              <a:t>Tail bits</a:t>
+            </a:r>
+            <a:endParaRPr lang="en-US" dirty="0">
+              <a:latin typeface="Arial" panose="020B0604020202020204" pitchFamily="34" charset="0"/>
+              <a:cs typeface="Arial" panose="020B0604020202020204" pitchFamily="34" charset="0"/>
+            </a:endParaRPr>
+          </a:p>
+        </p:txBody>
+      </p:sp>
+      <p:pic>
+        <p:nvPicPr>
+          <p:cNvPr id="8" name="Picture 7"/>
+          <p:cNvPicPr>
+            <a:picLocks noChangeAspect="1"/>
+          </p:cNvPicPr>
+          <p:nvPr/>
+        </p:nvPicPr>
+        <p:blipFill>
+          <a:blip r:embed="rId4"/>
+          <a:stretch>
+            <a:fillRect/>
+          </a:stretch>
+        </p:blipFill>
+        <p:spPr>
+          <a:xfrm>
+            <a:off x="5357047" y="1791265"/>
+            <a:ext cx="6834953" cy="2213750"/>
+          </a:xfrm>
+          <a:prstGeom prst="rect">
+            <a:avLst/>
+          </a:prstGeom>
+        </p:spPr>
+      </p:pic>
+      <p:sp>
+        <p:nvSpPr>
+          <p:cNvPr id="2" name="Date Placeholder 1"/>
+          <p:cNvSpPr>
+            <a:spLocks noGrp="1"/>
+          </p:cNvSpPr>
+          <p:nvPr>
+            <p:ph type="dt" sz="half" idx="10"/>
+          </p:nvPr>
+        </p:nvSpPr>
+        <p:spPr/>
+        <p:txBody>
+          <a:bodyPr/>
+          <a:lstStyle/>
+          <a:p>
+            <a:fld id="{7767634D-9DAB-48EF-81DA-11C8220D3DD1}" type="datetime1">
+              <a:rPr lang="en-US" smtClean="0"/>
+              <a:t>3/31/2020</a:t>
+            </a:fld>
+            <a:endParaRPr lang="en-US"/>
+          </a:p>
+        </p:txBody>
+      </p:sp>
+      <p:sp>
+        <p:nvSpPr>
+          <p:cNvPr id="3" name="Slide Number Placeholder 2"/>
+          <p:cNvSpPr>
+            <a:spLocks noGrp="1"/>
+          </p:cNvSpPr>
+          <p:nvPr>
+            <p:ph type="sldNum" sz="quarter" idx="12"/>
+          </p:nvPr>
+        </p:nvSpPr>
+        <p:spPr/>
+        <p:txBody>
+          <a:bodyPr/>
+          <a:lstStyle/>
+          <a:p>
+            <a:fld id="{506926C6-3DD3-4E5E-AE57-DE843B60E5AD}" type="slidenum">
+              <a:rPr lang="en-US" smtClean="0"/>
+              <a:t>8</a:t>
+            </a:fld>
+            <a:endParaRPr lang="en-US"/>
+          </a:p>
+        </p:txBody>
+      </p:sp>
+    </p:spTree>
+    <p:extLst>
+      <p:ext uri="{BB962C8B-B14F-4D97-AF65-F5344CB8AC3E}">
+        <p14:creationId xmlns:p14="http://schemas.microsoft.com/office/powerpoint/2010/main" val="3792034953"/>
+      </p:ext>
+    </p:extLst>
+  </p:cSld>
+  <p:clrMapOvr>
+    <a:masterClrMapping/>
+  </p:clrMapOvr>
+  <p:timing>
+    <p:tnLst>
+      <p:par>
+        <p:cTn id="1" dur="indefinite" restart="never" nodeType="tmRoot"/>
+      </p:par>
+    </p:tnLst>
+  </p:timing>
+</p:sld>
+</file>
+
+<file path=ppt/slides/slide9.xml><?xml version="1.0" encoding="utf-8"?>
+<p:sld xmlns:a="http://schemas.openxmlformats.org/drawingml/2006/main" xmlns:r="http://schemas.openxmlformats.org/officeDocument/2006/relationships" xmlns:p="http://schemas.openxmlformats.org/presentationml/2006/main">
+  <p:cSld>
+    <p:spTree>
+      <p:nvGrpSpPr>
+        <p:cNvPr id="1" name=""/>
+        <p:cNvGrpSpPr/>
+        <p:nvPr/>
+      </p:nvGrpSpPr>
+      <p:grpSpPr>
+        <a:xfrm>
+          <a:off x="0" y="0"/>
+          <a:ext cx="0" cy="0"/>
+          <a:chOff x="0" y="0"/>
+          <a:chExt cx="0" cy="0"/>
+        </a:xfrm>
+      </p:grpSpPr>
+      <p:cxnSp>
+        <p:nvCxnSpPr>
+          <p:cNvPr id="5" name="Straight Connector 4"/>
+          <p:cNvCxnSpPr/>
+          <p:nvPr/>
+        </p:nvCxnSpPr>
+        <p:spPr>
+          <a:xfrm>
+            <a:off x="640080" y="849085"/>
+            <a:ext cx="10910806" cy="0"/>
+          </a:xfrm>
+          <a:prstGeom prst="line">
+            <a:avLst/>
+          </a:prstGeom>
+        </p:spPr>
+        <p:style>
+          <a:lnRef idx="1">
+            <a:schemeClr val="accent1"/>
+          </a:lnRef>
+          <a:fillRef idx="0">
+            <a:schemeClr val="accent1"/>
+          </a:fillRef>
+          <a:effectRef idx="0">
+            <a:schemeClr val="accent1"/>
+          </a:effectRef>
+          <a:fontRef idx="minor">
+            <a:schemeClr val="tx1"/>
+          </a:fontRef>
+        </p:style>
+      </p:cxnSp>
+      <p:cxnSp>
+        <p:nvCxnSpPr>
+          <p:cNvPr id="9" name="Straight Connector 8"/>
+          <p:cNvCxnSpPr/>
+          <p:nvPr/>
+        </p:nvCxnSpPr>
+        <p:spPr>
+          <a:xfrm flipV="1">
+            <a:off x="400594" y="6082937"/>
+            <a:ext cx="11341745" cy="13062"/>
+          </a:xfrm>
+          <a:prstGeom prst="line">
+            <a:avLst/>
+          </a:prstGeom>
+        </p:spPr>
+        <p:style>
+          <a:lnRef idx="1">
+            <a:schemeClr val="accent1"/>
+          </a:lnRef>
+          <a:fillRef idx="0">
+            <a:schemeClr val="accent1"/>
+          </a:fillRef>
+          <a:effectRef idx="0">
+            <a:schemeClr val="accent1"/>
+          </a:effectRef>
+          <a:fontRef idx="minor">
+            <a:schemeClr val="tx1"/>
+          </a:fontRef>
+        </p:style>
+      </p:cxnSp>
+      <p:sp>
+        <p:nvSpPr>
+          <p:cNvPr id="11" name="TextBox 10"/>
+          <p:cNvSpPr txBox="1"/>
+          <p:nvPr/>
+        </p:nvSpPr>
+        <p:spPr>
+          <a:xfrm>
+            <a:off x="2931925" y="418198"/>
+            <a:ext cx="5726224" cy="430887"/>
+          </a:xfrm>
+          <a:prstGeom prst="rect">
+            <a:avLst/>
+          </a:prstGeom>
+          <a:noFill/>
+        </p:spPr>
+        <p:txBody>
+          <a:bodyPr wrap="square" rtlCol="0">
+            <a:spAutoFit/>
+          </a:bodyPr>
+          <a:lstStyle/>
+          <a:p>
+            <a:pPr lvl="1" algn="ctr"/>
+            <a:r>
+              <a:rPr lang="en-US" sz="2200" b="1" dirty="0" smtClean="0">
+                <a:solidFill>
+                  <a:schemeClr val="accent5"/>
+                </a:solidFill>
+                <a:latin typeface="Times New Roman" panose="02020603050405020304" pitchFamily="18" charset="0"/>
+                <a:cs typeface="Times New Roman" panose="02020603050405020304" pitchFamily="18" charset="0"/>
+              </a:rPr>
+              <a:t>DIFFERENTIAL ENCODING</a:t>
+            </a:r>
+            <a:endParaRPr lang="en-US" sz="2200" b="1" dirty="0">
+              <a:solidFill>
+                <a:schemeClr val="accent5"/>
+              </a:solidFill>
+              <a:latin typeface="Times New Roman" panose="02020603050405020304" pitchFamily="18" charset="0"/>
+              <a:cs typeface="Times New Roman" panose="02020603050405020304" pitchFamily="18" charset="0"/>
+            </a:endParaRPr>
+          </a:p>
+        </p:txBody>
+      </p:sp>
+      <p:pic>
+        <p:nvPicPr>
+          <p:cNvPr id="15" name="Picture 14"/>
+          <p:cNvPicPr>
+            <a:picLocks noChangeAspect="1"/>
+          </p:cNvPicPr>
+          <p:nvPr/>
+        </p:nvPicPr>
+        <p:blipFill>
+          <a:blip r:embed="rId3">
+            <a:extLst>
+              <a:ext uri="{28A0092B-C50C-407E-A947-70E740481C1C}">
+                <a14:useLocalDpi xmlns:a14="http://schemas.microsoft.com/office/drawing/2010/main" val="0"/>
+              </a:ext>
+            </a:extLst>
+          </a:blip>
+          <a:stretch>
+            <a:fillRect/>
+          </a:stretch>
+        </p:blipFill>
+        <p:spPr>
+          <a:xfrm>
+            <a:off x="10949994" y="4112"/>
+            <a:ext cx="1201783" cy="1201783"/>
+          </a:xfrm>
+          <a:prstGeom prst="rect">
+            <a:avLst/>
+          </a:prstGeom>
+        </p:spPr>
+      </p:pic>
+      <p:sp>
+        <p:nvSpPr>
+          <p:cNvPr id="6" name="TextBox 5"/>
+          <p:cNvSpPr txBox="1"/>
+          <p:nvPr/>
+        </p:nvSpPr>
+        <p:spPr>
+          <a:xfrm>
+            <a:off x="267892" y="1527018"/>
+            <a:ext cx="4896744" cy="1938992"/>
+          </a:xfrm>
+          <a:prstGeom prst="rect">
+            <a:avLst/>
+          </a:prstGeom>
+          <a:noFill/>
+        </p:spPr>
+        <p:txBody>
+          <a:bodyPr wrap="square" rtlCol="0">
+            <a:spAutoFit/>
+          </a:bodyPr>
+          <a:lstStyle/>
+          <a:p>
+            <a:pPr algn="just"/>
+            <a:r>
+              <a:rPr lang="en-US" sz="2000" dirty="0" err="1" smtClean="0">
+                <a:latin typeface="Arial" panose="020B0604020202020204" pitchFamily="34" charset="0"/>
+                <a:cs typeface="Arial" panose="020B0604020202020204" pitchFamily="34" charset="0"/>
+              </a:rPr>
+              <a:t>Sau</a:t>
+            </a:r>
+            <a:r>
+              <a:rPr lang="en-US" sz="2000" dirty="0" smtClean="0">
+                <a:latin typeface="Arial" panose="020B0604020202020204" pitchFamily="34" charset="0"/>
+                <a:cs typeface="Arial" panose="020B0604020202020204" pitchFamily="34" charset="0"/>
+              </a:rPr>
+              <a:t> </a:t>
+            </a:r>
+            <a:r>
+              <a:rPr lang="en-US" sz="2000" dirty="0" err="1" smtClean="0">
+                <a:latin typeface="Arial" panose="020B0604020202020204" pitchFamily="34" charset="0"/>
+                <a:cs typeface="Arial" panose="020B0604020202020204" pitchFamily="34" charset="0"/>
+              </a:rPr>
+              <a:t>khi</a:t>
+            </a:r>
+            <a:r>
+              <a:rPr lang="en-US" sz="2000" dirty="0" smtClean="0">
+                <a:latin typeface="Arial" panose="020B0604020202020204" pitchFamily="34" charset="0"/>
+                <a:cs typeface="Arial" panose="020B0604020202020204" pitchFamily="34" charset="0"/>
+              </a:rPr>
+              <a:t> </a:t>
+            </a:r>
+            <a:r>
+              <a:rPr lang="en-US" sz="2000" dirty="0" err="1" smtClean="0">
+                <a:latin typeface="Arial" panose="020B0604020202020204" pitchFamily="34" charset="0"/>
+                <a:cs typeface="Arial" panose="020B0604020202020204" pitchFamily="34" charset="0"/>
+              </a:rPr>
+              <a:t>được</a:t>
+            </a:r>
+            <a:r>
+              <a:rPr lang="en-US" sz="2000" dirty="0" smtClean="0">
+                <a:latin typeface="Arial" panose="020B0604020202020204" pitchFamily="34" charset="0"/>
+                <a:cs typeface="Arial" panose="020B0604020202020204" pitchFamily="34" charset="0"/>
+              </a:rPr>
+              <a:t> </a:t>
+            </a:r>
+            <a:r>
+              <a:rPr lang="en-US" sz="2000" dirty="0" err="1" smtClean="0">
+                <a:latin typeface="Arial" panose="020B0604020202020204" pitchFamily="34" charset="0"/>
+                <a:cs typeface="Arial" panose="020B0604020202020204" pitchFamily="34" charset="0"/>
+              </a:rPr>
+              <a:t>phân</a:t>
+            </a:r>
+            <a:r>
+              <a:rPr lang="en-US" sz="2000" dirty="0" smtClean="0">
+                <a:latin typeface="Arial" panose="020B0604020202020204" pitchFamily="34" charset="0"/>
+                <a:cs typeface="Arial" panose="020B0604020202020204" pitchFamily="34" charset="0"/>
+              </a:rPr>
+              <a:t> </a:t>
+            </a:r>
+            <a:r>
+              <a:rPr lang="en-US" sz="2000" dirty="0" err="1" smtClean="0">
+                <a:latin typeface="Arial" panose="020B0604020202020204" pitchFamily="34" charset="0"/>
+                <a:cs typeface="Arial" panose="020B0604020202020204" pitchFamily="34" charset="0"/>
+              </a:rPr>
+              <a:t>vào</a:t>
+            </a:r>
+            <a:r>
+              <a:rPr lang="en-US" sz="2000" dirty="0" smtClean="0">
+                <a:latin typeface="Arial" panose="020B0604020202020204" pitchFamily="34" charset="0"/>
+                <a:cs typeface="Arial" panose="020B0604020202020204" pitchFamily="34" charset="0"/>
+              </a:rPr>
+              <a:t> </a:t>
+            </a:r>
+            <a:r>
+              <a:rPr lang="en-US" sz="2000" dirty="0" err="1" smtClean="0">
+                <a:latin typeface="Arial" panose="020B0604020202020204" pitchFamily="34" charset="0"/>
+                <a:cs typeface="Arial" panose="020B0604020202020204" pitchFamily="34" charset="0"/>
+              </a:rPr>
+              <a:t>các</a:t>
+            </a:r>
+            <a:r>
+              <a:rPr lang="en-US" sz="2000" dirty="0" smtClean="0">
+                <a:latin typeface="Arial" panose="020B0604020202020204" pitchFamily="34" charset="0"/>
+                <a:cs typeface="Arial" panose="020B0604020202020204" pitchFamily="34" charset="0"/>
+              </a:rPr>
+              <a:t> </a:t>
+            </a:r>
+            <a:r>
+              <a:rPr lang="en-US" sz="2000" dirty="0" err="1" smtClean="0">
+                <a:latin typeface="Arial" panose="020B0604020202020204" pitchFamily="34" charset="0"/>
+                <a:cs typeface="Arial" panose="020B0604020202020204" pitchFamily="34" charset="0"/>
+              </a:rPr>
+              <a:t>cụm</a:t>
+            </a:r>
+            <a:r>
+              <a:rPr lang="en-US" sz="2000" dirty="0" smtClean="0">
+                <a:latin typeface="Arial" panose="020B0604020202020204" pitchFamily="34" charset="0"/>
+                <a:cs typeface="Arial" panose="020B0604020202020204" pitchFamily="34" charset="0"/>
+              </a:rPr>
+              <a:t>, </a:t>
+            </a:r>
+            <a:r>
+              <a:rPr lang="en-US" sz="2000" dirty="0" err="1" smtClean="0">
+                <a:latin typeface="Arial" panose="020B0604020202020204" pitchFamily="34" charset="0"/>
+                <a:cs typeface="Arial" panose="020B0604020202020204" pitchFamily="34" charset="0"/>
+              </a:rPr>
+              <a:t>dữ</a:t>
+            </a:r>
+            <a:r>
+              <a:rPr lang="en-US" sz="2000" dirty="0" smtClean="0">
+                <a:latin typeface="Arial" panose="020B0604020202020204" pitchFamily="34" charset="0"/>
+                <a:cs typeface="Arial" panose="020B0604020202020204" pitchFamily="34" charset="0"/>
+              </a:rPr>
+              <a:t> </a:t>
+            </a:r>
+            <a:r>
+              <a:rPr lang="en-US" sz="2000" dirty="0" err="1" smtClean="0">
+                <a:latin typeface="Arial" panose="020B0604020202020204" pitchFamily="34" charset="0"/>
+                <a:cs typeface="Arial" panose="020B0604020202020204" pitchFamily="34" charset="0"/>
+              </a:rPr>
+              <a:t>liệu</a:t>
+            </a:r>
+            <a:r>
+              <a:rPr lang="en-US" sz="2000" dirty="0" smtClean="0">
+                <a:latin typeface="Arial" panose="020B0604020202020204" pitchFamily="34" charset="0"/>
+                <a:cs typeface="Arial" panose="020B0604020202020204" pitchFamily="34" charset="0"/>
+              </a:rPr>
+              <a:t> </a:t>
+            </a:r>
+            <a:r>
+              <a:rPr lang="en-US" sz="2000" dirty="0" err="1" smtClean="0">
+                <a:latin typeface="Arial" panose="020B0604020202020204" pitchFamily="34" charset="0"/>
+                <a:cs typeface="Arial" panose="020B0604020202020204" pitchFamily="34" charset="0"/>
+              </a:rPr>
+              <a:t>là</a:t>
+            </a:r>
+            <a:r>
+              <a:rPr lang="en-US" sz="2000" dirty="0" smtClean="0">
+                <a:latin typeface="Arial" panose="020B0604020202020204" pitchFamily="34" charset="0"/>
+                <a:cs typeface="Arial" panose="020B0604020202020204" pitchFamily="34" charset="0"/>
+              </a:rPr>
+              <a:t> </a:t>
+            </a:r>
+            <a:r>
+              <a:rPr lang="en-US" sz="2000" dirty="0" err="1" smtClean="0">
+                <a:latin typeface="Arial" panose="020B0604020202020204" pitchFamily="34" charset="0"/>
+                <a:cs typeface="Arial" panose="020B0604020202020204" pitchFamily="34" charset="0"/>
+              </a:rPr>
+              <a:t>các</a:t>
+            </a:r>
+            <a:r>
+              <a:rPr lang="en-US" sz="2000" dirty="0" smtClean="0">
+                <a:latin typeface="Arial" panose="020B0604020202020204" pitchFamily="34" charset="0"/>
+                <a:cs typeface="Arial" panose="020B0604020202020204" pitchFamily="34" charset="0"/>
+              </a:rPr>
+              <a:t> bit </a:t>
+            </a:r>
+            <a:r>
+              <a:rPr lang="en-US" sz="2000" dirty="0" err="1" smtClean="0">
+                <a:latin typeface="Arial" panose="020B0604020202020204" pitchFamily="34" charset="0"/>
+                <a:cs typeface="Arial" panose="020B0604020202020204" pitchFamily="34" charset="0"/>
+              </a:rPr>
+              <a:t>nhị</a:t>
+            </a:r>
+            <a:r>
+              <a:rPr lang="en-US" sz="2000" dirty="0" smtClean="0">
+                <a:latin typeface="Arial" panose="020B0604020202020204" pitchFamily="34" charset="0"/>
+                <a:cs typeface="Arial" panose="020B0604020202020204" pitchFamily="34" charset="0"/>
+              </a:rPr>
+              <a:t> </a:t>
+            </a:r>
+            <a:r>
+              <a:rPr lang="en-US" sz="2000" dirty="0" err="1" smtClean="0">
+                <a:latin typeface="Arial" panose="020B0604020202020204" pitchFamily="34" charset="0"/>
+                <a:cs typeface="Arial" panose="020B0604020202020204" pitchFamily="34" charset="0"/>
+              </a:rPr>
+              <a:t>phân</a:t>
+            </a:r>
+            <a:r>
+              <a:rPr lang="en-US" sz="2000" dirty="0" smtClean="0">
+                <a:latin typeface="Arial" panose="020B0604020202020204" pitchFamily="34" charset="0"/>
+                <a:cs typeface="Arial" panose="020B0604020202020204" pitchFamily="34" charset="0"/>
+              </a:rPr>
+              <a:t> </a:t>
+            </a:r>
+            <a:r>
+              <a:rPr lang="en-US" sz="2000" dirty="0" err="1" smtClean="0">
+                <a:latin typeface="Arial" panose="020B0604020202020204" pitchFamily="34" charset="0"/>
+                <a:cs typeface="Arial" panose="020B0604020202020204" pitchFamily="34" charset="0"/>
+              </a:rPr>
+              <a:t>sẽ</a:t>
+            </a:r>
+            <a:r>
+              <a:rPr lang="en-US" sz="2000" dirty="0" smtClean="0">
+                <a:latin typeface="Arial" panose="020B0604020202020204" pitchFamily="34" charset="0"/>
+                <a:cs typeface="Arial" panose="020B0604020202020204" pitchFamily="34" charset="0"/>
+              </a:rPr>
+              <a:t> </a:t>
+            </a:r>
+            <a:r>
+              <a:rPr lang="en-US" sz="2000" dirty="0" err="1" smtClean="0">
+                <a:latin typeface="Arial" panose="020B0604020202020204" pitchFamily="34" charset="0"/>
+                <a:cs typeface="Arial" panose="020B0604020202020204" pitchFamily="34" charset="0"/>
+              </a:rPr>
+              <a:t>được</a:t>
+            </a:r>
+            <a:r>
+              <a:rPr lang="en-US" sz="2000" dirty="0" smtClean="0">
+                <a:latin typeface="Arial" panose="020B0604020202020204" pitchFamily="34" charset="0"/>
+                <a:cs typeface="Arial" panose="020B0604020202020204" pitchFamily="34" charset="0"/>
+              </a:rPr>
+              <a:t> </a:t>
+            </a:r>
+            <a:r>
+              <a:rPr lang="en-US" sz="2000" dirty="0" err="1" smtClean="0">
+                <a:latin typeface="Arial" panose="020B0604020202020204" pitchFamily="34" charset="0"/>
+                <a:cs typeface="Arial" panose="020B0604020202020204" pitchFamily="34" charset="0"/>
+              </a:rPr>
+              <a:t>mã</a:t>
+            </a:r>
+            <a:r>
+              <a:rPr lang="en-US" sz="2000" dirty="0" smtClean="0">
+                <a:latin typeface="Arial" panose="020B0604020202020204" pitchFamily="34" charset="0"/>
+                <a:cs typeface="Arial" panose="020B0604020202020204" pitchFamily="34" charset="0"/>
+              </a:rPr>
+              <a:t> </a:t>
+            </a:r>
+            <a:r>
+              <a:rPr lang="en-US" sz="2000" dirty="0" err="1" smtClean="0">
+                <a:latin typeface="Arial" panose="020B0604020202020204" pitchFamily="34" charset="0"/>
+                <a:cs typeface="Arial" panose="020B0604020202020204" pitchFamily="34" charset="0"/>
+              </a:rPr>
+              <a:t>hóa</a:t>
+            </a:r>
+            <a:r>
+              <a:rPr lang="en-US" sz="2000" dirty="0" smtClean="0">
+                <a:latin typeface="Arial" panose="020B0604020202020204" pitchFamily="34" charset="0"/>
+                <a:cs typeface="Arial" panose="020B0604020202020204" pitchFamily="34" charset="0"/>
+              </a:rPr>
+              <a:t> vi </a:t>
+            </a:r>
+            <a:r>
+              <a:rPr lang="en-US" sz="2000" dirty="0" err="1" smtClean="0">
+                <a:latin typeface="Arial" panose="020B0604020202020204" pitchFamily="34" charset="0"/>
+                <a:cs typeface="Arial" panose="020B0604020202020204" pitchFamily="34" charset="0"/>
+              </a:rPr>
+              <a:t>sai</a:t>
+            </a:r>
+            <a:r>
+              <a:rPr lang="en-US" sz="2000" dirty="0">
+                <a:latin typeface="Arial" panose="020B0604020202020204" pitchFamily="34" charset="0"/>
+                <a:cs typeface="Arial" panose="020B0604020202020204" pitchFamily="34" charset="0"/>
+              </a:rPr>
+              <a:t> </a:t>
+            </a:r>
+            <a:r>
+              <a:rPr lang="en-US" sz="2000" dirty="0" err="1" smtClean="0">
+                <a:latin typeface="Arial" panose="020B0604020202020204" pitchFamily="34" charset="0"/>
+                <a:cs typeface="Arial" panose="020B0604020202020204" pitchFamily="34" charset="0"/>
+              </a:rPr>
+              <a:t>bởi</a:t>
+            </a:r>
+            <a:r>
+              <a:rPr lang="en-US" sz="2000" dirty="0" smtClean="0">
+                <a:latin typeface="Arial" panose="020B0604020202020204" pitchFamily="34" charset="0"/>
+                <a:cs typeface="Arial" panose="020B0604020202020204" pitchFamily="34" charset="0"/>
+              </a:rPr>
+              <a:t> </a:t>
+            </a:r>
+            <a:r>
+              <a:rPr lang="en-US" sz="2000" dirty="0" err="1" smtClean="0">
+                <a:latin typeface="Arial" panose="020B0604020202020204" pitchFamily="34" charset="0"/>
+                <a:cs typeface="Arial" panose="020B0604020202020204" pitchFamily="34" charset="0"/>
+              </a:rPr>
+              <a:t>bộ</a:t>
+            </a:r>
+            <a:r>
+              <a:rPr lang="en-US" sz="2000" dirty="0" smtClean="0">
+                <a:latin typeface="Arial" panose="020B0604020202020204" pitchFamily="34" charset="0"/>
+                <a:cs typeface="Arial" panose="020B0604020202020204" pitchFamily="34" charset="0"/>
+              </a:rPr>
+              <a:t> differential encoder. </a:t>
+            </a:r>
+            <a:r>
+              <a:rPr lang="en-US" sz="2000" dirty="0" err="1" smtClean="0">
+                <a:latin typeface="Arial" panose="020B0604020202020204" pitchFamily="34" charset="0"/>
+                <a:cs typeface="Arial" panose="020B0604020202020204" pitchFamily="34" charset="0"/>
+              </a:rPr>
+              <a:t>Đầu</a:t>
+            </a:r>
+            <a:r>
+              <a:rPr lang="en-US" sz="2000" dirty="0" smtClean="0">
+                <a:latin typeface="Arial" panose="020B0604020202020204" pitchFamily="34" charset="0"/>
+                <a:cs typeface="Arial" panose="020B0604020202020204" pitchFamily="34" charset="0"/>
+              </a:rPr>
+              <a:t> </a:t>
+            </a:r>
+            <a:r>
+              <a:rPr lang="en-US" sz="2000" dirty="0" err="1" smtClean="0">
+                <a:latin typeface="Arial" panose="020B0604020202020204" pitchFamily="34" charset="0"/>
+                <a:cs typeface="Arial" panose="020B0604020202020204" pitchFamily="34" charset="0"/>
+              </a:rPr>
+              <a:t>ra</a:t>
+            </a:r>
+            <a:r>
+              <a:rPr lang="en-US" sz="2000" dirty="0" smtClean="0">
+                <a:latin typeface="Arial" panose="020B0604020202020204" pitchFamily="34" charset="0"/>
+                <a:cs typeface="Arial" panose="020B0604020202020204" pitchFamily="34" charset="0"/>
+              </a:rPr>
+              <a:t> </a:t>
+            </a:r>
+            <a:r>
+              <a:rPr lang="en-US" sz="2000" dirty="0" err="1" smtClean="0">
+                <a:latin typeface="Arial" panose="020B0604020202020204" pitchFamily="34" charset="0"/>
+                <a:cs typeface="Arial" panose="020B0604020202020204" pitchFamily="34" charset="0"/>
+              </a:rPr>
+              <a:t>của</a:t>
+            </a:r>
+            <a:r>
+              <a:rPr lang="en-US" sz="2000" dirty="0" smtClean="0">
+                <a:latin typeface="Arial" panose="020B0604020202020204" pitchFamily="34" charset="0"/>
+                <a:cs typeface="Arial" panose="020B0604020202020204" pitchFamily="34" charset="0"/>
+              </a:rPr>
+              <a:t> </a:t>
+            </a:r>
+            <a:r>
+              <a:rPr lang="en-US" sz="2000" dirty="0" err="1" smtClean="0">
+                <a:latin typeface="Arial" panose="020B0604020202020204" pitchFamily="34" charset="0"/>
+                <a:cs typeface="Arial" panose="020B0604020202020204" pitchFamily="34" charset="0"/>
+              </a:rPr>
+              <a:t>bộ</a:t>
+            </a:r>
+            <a:r>
+              <a:rPr lang="en-US" sz="2000" dirty="0" smtClean="0">
+                <a:latin typeface="Arial" panose="020B0604020202020204" pitchFamily="34" charset="0"/>
+                <a:cs typeface="Arial" panose="020B0604020202020204" pitchFamily="34" charset="0"/>
+              </a:rPr>
+              <a:t> </a:t>
+            </a:r>
+            <a:r>
+              <a:rPr lang="en-US" sz="2000" dirty="0" err="1" smtClean="0">
+                <a:latin typeface="Arial" panose="020B0604020202020204" pitchFamily="34" charset="0"/>
+                <a:cs typeface="Arial" panose="020B0604020202020204" pitchFamily="34" charset="0"/>
+              </a:rPr>
+              <a:t>mã</a:t>
+            </a:r>
+            <a:r>
+              <a:rPr lang="en-US" sz="2000" dirty="0" smtClean="0">
+                <a:latin typeface="Arial" panose="020B0604020202020204" pitchFamily="34" charset="0"/>
+                <a:cs typeface="Arial" panose="020B0604020202020204" pitchFamily="34" charset="0"/>
+              </a:rPr>
+              <a:t> </a:t>
+            </a:r>
+            <a:r>
+              <a:rPr lang="en-US" sz="2000" dirty="0" err="1" smtClean="0">
+                <a:latin typeface="Arial" panose="020B0604020202020204" pitchFamily="34" charset="0"/>
+                <a:cs typeface="Arial" panose="020B0604020202020204" pitchFamily="34" charset="0"/>
+              </a:rPr>
+              <a:t>hóa</a:t>
+            </a:r>
+            <a:r>
+              <a:rPr lang="en-US" sz="2000" dirty="0" smtClean="0">
+                <a:latin typeface="Arial" panose="020B0604020202020204" pitchFamily="34" charset="0"/>
+                <a:cs typeface="Arial" panose="020B0604020202020204" pitchFamily="34" charset="0"/>
+              </a:rPr>
+              <a:t> vi </a:t>
+            </a:r>
+            <a:r>
+              <a:rPr lang="en-US" sz="2000" dirty="0" err="1" smtClean="0">
+                <a:latin typeface="Arial" panose="020B0604020202020204" pitchFamily="34" charset="0"/>
+                <a:cs typeface="Arial" panose="020B0604020202020204" pitchFamily="34" charset="0"/>
+              </a:rPr>
+              <a:t>sai</a:t>
+            </a:r>
+            <a:r>
+              <a:rPr lang="en-US" sz="2000" dirty="0" smtClean="0">
+                <a:latin typeface="Arial" panose="020B0604020202020204" pitchFamily="34" charset="0"/>
+                <a:cs typeface="Arial" panose="020B0604020202020204" pitchFamily="34" charset="0"/>
+              </a:rPr>
+              <a:t> </a:t>
+            </a:r>
+            <a:r>
+              <a:rPr lang="en-US" sz="2000" dirty="0" err="1" smtClean="0">
+                <a:latin typeface="Arial" panose="020B0604020202020204" pitchFamily="34" charset="0"/>
+                <a:cs typeface="Arial" panose="020B0604020202020204" pitchFamily="34" charset="0"/>
+              </a:rPr>
+              <a:t>là</a:t>
+            </a:r>
+            <a:r>
+              <a:rPr lang="en-US" sz="2000" dirty="0" smtClean="0">
+                <a:latin typeface="Arial" panose="020B0604020202020204" pitchFamily="34" charset="0"/>
+                <a:cs typeface="Arial" panose="020B0604020202020204" pitchFamily="34" charset="0"/>
+              </a:rPr>
+              <a:t>: </a:t>
+            </a:r>
+          </a:p>
+          <a:p>
+            <a:pPr algn="just"/>
+            <a:endParaRPr lang="en-US" sz="2000" dirty="0">
+              <a:latin typeface="Arial" panose="020B0604020202020204" pitchFamily="34" charset="0"/>
+              <a:cs typeface="Arial" panose="020B0604020202020204" pitchFamily="34" charset="0"/>
+            </a:endParaRPr>
+          </a:p>
+          <a:p>
+            <a:pPr algn="just"/>
+            <a:r>
+              <a:rPr lang="en-US" sz="2000" dirty="0" smtClean="0">
+                <a:latin typeface="Arial" panose="020B0604020202020204" pitchFamily="34" charset="0"/>
+                <a:cs typeface="Arial" panose="020B0604020202020204" pitchFamily="34" charset="0"/>
+              </a:rPr>
+              <a:t> </a:t>
+            </a:r>
+            <a:endParaRPr lang="en-US" sz="2000" dirty="0">
+              <a:latin typeface="Arial" panose="020B0604020202020204" pitchFamily="34" charset="0"/>
+              <a:cs typeface="Arial" panose="020B0604020202020204" pitchFamily="34" charset="0"/>
+            </a:endParaRPr>
+          </a:p>
+        </p:txBody>
+      </p:sp>
+      <p:pic>
+        <p:nvPicPr>
+          <p:cNvPr id="2" name="Picture 1"/>
+          <p:cNvPicPr>
+            <a:picLocks noChangeAspect="1"/>
+          </p:cNvPicPr>
+          <p:nvPr/>
+        </p:nvPicPr>
+        <p:blipFill>
+          <a:blip r:embed="rId4"/>
+          <a:stretch>
+            <a:fillRect/>
+          </a:stretch>
+        </p:blipFill>
+        <p:spPr>
+          <a:xfrm>
+            <a:off x="0" y="2912113"/>
+            <a:ext cx="4485736" cy="792592"/>
+          </a:xfrm>
+          <a:prstGeom prst="rect">
+            <a:avLst/>
+          </a:prstGeom>
+        </p:spPr>
+      </p:pic>
+      <p:sp>
+        <p:nvSpPr>
+          <p:cNvPr id="4" name="TextBox 3"/>
+          <p:cNvSpPr txBox="1"/>
+          <p:nvPr/>
+        </p:nvSpPr>
+        <p:spPr>
+          <a:xfrm>
+            <a:off x="400594" y="3851143"/>
+            <a:ext cx="4656539" cy="1015663"/>
+          </a:xfrm>
+          <a:prstGeom prst="rect">
+            <a:avLst/>
+          </a:prstGeom>
+          <a:noFill/>
+        </p:spPr>
+        <p:txBody>
+          <a:bodyPr wrap="square" rtlCol="0">
+            <a:spAutoFit/>
+          </a:bodyPr>
+          <a:lstStyle/>
+          <a:p>
+            <a:r>
+              <a:rPr lang="en-US" sz="2000" dirty="0" err="1" smtClean="0">
+                <a:latin typeface="Arial" panose="020B0604020202020204" pitchFamily="34" charset="0"/>
+                <a:cs typeface="Arial" panose="020B0604020202020204" pitchFamily="34" charset="0"/>
+              </a:rPr>
+              <a:t>Dữ</a:t>
+            </a:r>
+            <a:r>
+              <a:rPr lang="en-US" sz="2000" dirty="0" smtClean="0">
+                <a:latin typeface="Arial" panose="020B0604020202020204" pitchFamily="34" charset="0"/>
+                <a:cs typeface="Arial" panose="020B0604020202020204" pitchFamily="34" charset="0"/>
+              </a:rPr>
+              <a:t> </a:t>
+            </a:r>
+            <a:r>
+              <a:rPr lang="en-US" sz="2000" dirty="0" err="1" smtClean="0">
+                <a:latin typeface="Arial" panose="020B0604020202020204" pitchFamily="34" charset="0"/>
+                <a:cs typeface="Arial" panose="020B0604020202020204" pitchFamily="34" charset="0"/>
+              </a:rPr>
+              <a:t>liệu</a:t>
+            </a:r>
+            <a:r>
+              <a:rPr lang="en-US" sz="2000" dirty="0" smtClean="0">
+                <a:latin typeface="Arial" panose="020B0604020202020204" pitchFamily="34" charset="0"/>
+                <a:cs typeface="Arial" panose="020B0604020202020204" pitchFamily="34" charset="0"/>
+              </a:rPr>
+              <a:t> </a:t>
+            </a:r>
+            <a:r>
+              <a:rPr lang="en-US" sz="2000" dirty="0" err="1" smtClean="0">
+                <a:latin typeface="Arial" panose="020B0604020202020204" pitchFamily="34" charset="0"/>
+                <a:cs typeface="Arial" panose="020B0604020202020204" pitchFamily="34" charset="0"/>
+              </a:rPr>
+              <a:t>đầu</a:t>
+            </a:r>
+            <a:r>
+              <a:rPr lang="en-US" sz="2000" dirty="0" smtClean="0">
+                <a:latin typeface="Arial" panose="020B0604020202020204" pitchFamily="34" charset="0"/>
+                <a:cs typeface="Arial" panose="020B0604020202020204" pitchFamily="34" charset="0"/>
+              </a:rPr>
+              <a:t> </a:t>
+            </a:r>
+            <a:r>
+              <a:rPr lang="en-US" sz="2000" dirty="0" err="1" smtClean="0">
+                <a:latin typeface="Arial" panose="020B0604020202020204" pitchFamily="34" charset="0"/>
+                <a:cs typeface="Arial" panose="020B0604020202020204" pitchFamily="34" charset="0"/>
+              </a:rPr>
+              <a:t>vào</a:t>
+            </a:r>
+            <a:r>
+              <a:rPr lang="en-US" sz="2000" dirty="0" smtClean="0">
+                <a:latin typeface="Arial" panose="020B0604020202020204" pitchFamily="34" charset="0"/>
+                <a:cs typeface="Arial" panose="020B0604020202020204" pitchFamily="34" charset="0"/>
+              </a:rPr>
+              <a:t> </a:t>
+            </a:r>
+            <a:r>
+              <a:rPr lang="en-US" sz="2000" dirty="0" err="1" smtClean="0">
+                <a:latin typeface="Arial" panose="020B0604020202020204" pitchFamily="34" charset="0"/>
+                <a:cs typeface="Arial" panose="020B0604020202020204" pitchFamily="34" charset="0"/>
+              </a:rPr>
+              <a:t>của</a:t>
+            </a:r>
+            <a:r>
+              <a:rPr lang="en-US" sz="2000" dirty="0" smtClean="0">
+                <a:latin typeface="Arial" panose="020B0604020202020204" pitchFamily="34" charset="0"/>
+                <a:cs typeface="Arial" panose="020B0604020202020204" pitchFamily="34" charset="0"/>
+              </a:rPr>
+              <a:t> </a:t>
+            </a:r>
+            <a:r>
+              <a:rPr lang="en-US" sz="2000" dirty="0" err="1" smtClean="0">
+                <a:latin typeface="Arial" panose="020B0604020202020204" pitchFamily="34" charset="0"/>
+                <a:cs typeface="Arial" panose="020B0604020202020204" pitchFamily="34" charset="0"/>
+              </a:rPr>
+              <a:t>bộ</a:t>
+            </a:r>
+            <a:r>
+              <a:rPr lang="en-US" sz="2000" dirty="0" smtClean="0">
+                <a:latin typeface="Arial" panose="020B0604020202020204" pitchFamily="34" charset="0"/>
+                <a:cs typeface="Arial" panose="020B0604020202020204" pitchFamily="34" charset="0"/>
+              </a:rPr>
+              <a:t> </a:t>
+            </a:r>
+            <a:r>
+              <a:rPr lang="en-US" sz="2000" dirty="0" err="1" smtClean="0">
+                <a:latin typeface="Arial" panose="020B0604020202020204" pitchFamily="34" charset="0"/>
+                <a:cs typeface="Arial" panose="020B0604020202020204" pitchFamily="34" charset="0"/>
+              </a:rPr>
+              <a:t>điều</a:t>
+            </a:r>
+            <a:r>
+              <a:rPr lang="en-US" sz="2000" dirty="0" smtClean="0">
+                <a:latin typeface="Arial" panose="020B0604020202020204" pitchFamily="34" charset="0"/>
+                <a:cs typeface="Arial" panose="020B0604020202020204" pitchFamily="34" charset="0"/>
+              </a:rPr>
+              <a:t> </a:t>
+            </a:r>
+            <a:r>
+              <a:rPr lang="en-US" sz="2000" dirty="0" err="1" smtClean="0">
+                <a:latin typeface="Arial" panose="020B0604020202020204" pitchFamily="34" charset="0"/>
+                <a:cs typeface="Arial" panose="020B0604020202020204" pitchFamily="34" charset="0"/>
+              </a:rPr>
+              <a:t>chế</a:t>
+            </a:r>
+            <a:r>
+              <a:rPr lang="en-US" sz="2000" dirty="0" smtClean="0">
+                <a:latin typeface="Arial" panose="020B0604020202020204" pitchFamily="34" charset="0"/>
+                <a:cs typeface="Arial" panose="020B0604020202020204" pitchFamily="34" charset="0"/>
+              </a:rPr>
+              <a:t> </a:t>
+            </a:r>
+            <a:r>
+              <a:rPr lang="en-US" sz="2000" dirty="0" err="1" smtClean="0">
+                <a:latin typeface="Arial" panose="020B0604020202020204" pitchFamily="34" charset="0"/>
+                <a:cs typeface="Arial" panose="020B0604020202020204" pitchFamily="34" charset="0"/>
+              </a:rPr>
+              <a:t>sẽ</a:t>
+            </a:r>
+            <a:r>
+              <a:rPr lang="en-US" sz="2000" dirty="0" smtClean="0">
+                <a:latin typeface="Arial" panose="020B0604020202020204" pitchFamily="34" charset="0"/>
+                <a:cs typeface="Arial" panose="020B0604020202020204" pitchFamily="34" charset="0"/>
+              </a:rPr>
+              <a:t> </a:t>
+            </a:r>
+            <a:r>
+              <a:rPr lang="en-US" sz="2000" dirty="0" err="1" smtClean="0">
+                <a:latin typeface="Arial" panose="020B0604020202020204" pitchFamily="34" charset="0"/>
+                <a:cs typeface="Arial" panose="020B0604020202020204" pitchFamily="34" charset="0"/>
+              </a:rPr>
+              <a:t>được</a:t>
+            </a:r>
+            <a:r>
+              <a:rPr lang="en-US" sz="2000" dirty="0" smtClean="0">
+                <a:latin typeface="Arial" panose="020B0604020202020204" pitchFamily="34" charset="0"/>
+                <a:cs typeface="Arial" panose="020B0604020202020204" pitchFamily="34" charset="0"/>
+              </a:rPr>
+              <a:t> </a:t>
+            </a:r>
+            <a:r>
+              <a:rPr lang="en-US" sz="2000" dirty="0" err="1" smtClean="0">
+                <a:latin typeface="Arial" panose="020B0604020202020204" pitchFamily="34" charset="0"/>
+                <a:cs typeface="Arial" panose="020B0604020202020204" pitchFamily="34" charset="0"/>
+              </a:rPr>
+              <a:t>biểu</a:t>
+            </a:r>
+            <a:r>
+              <a:rPr lang="en-US" sz="2000" dirty="0" smtClean="0">
+                <a:latin typeface="Arial" panose="020B0604020202020204" pitchFamily="34" charset="0"/>
+                <a:cs typeface="Arial" panose="020B0604020202020204" pitchFamily="34" charset="0"/>
+              </a:rPr>
+              <a:t> </a:t>
+            </a:r>
+            <a:r>
+              <a:rPr lang="en-US" sz="2000" dirty="0" err="1" smtClean="0">
+                <a:latin typeface="Arial" panose="020B0604020202020204" pitchFamily="34" charset="0"/>
+                <a:cs typeface="Arial" panose="020B0604020202020204" pitchFamily="34" charset="0"/>
+              </a:rPr>
+              <a:t>diễn</a:t>
+            </a:r>
+            <a:r>
+              <a:rPr lang="en-US" sz="2000" dirty="0" smtClean="0">
+                <a:latin typeface="Arial" panose="020B0604020202020204" pitchFamily="34" charset="0"/>
+                <a:cs typeface="Arial" panose="020B0604020202020204" pitchFamily="34" charset="0"/>
+              </a:rPr>
+              <a:t> </a:t>
+            </a:r>
+            <a:r>
+              <a:rPr lang="en-US" sz="2000" dirty="0" err="1" smtClean="0">
+                <a:latin typeface="Arial" panose="020B0604020202020204" pitchFamily="34" charset="0"/>
+                <a:cs typeface="Arial" panose="020B0604020202020204" pitchFamily="34" charset="0"/>
+              </a:rPr>
+              <a:t>dưới</a:t>
+            </a:r>
+            <a:r>
+              <a:rPr lang="en-US" sz="2000" dirty="0" smtClean="0">
+                <a:latin typeface="Arial" panose="020B0604020202020204" pitchFamily="34" charset="0"/>
+                <a:cs typeface="Arial" panose="020B0604020202020204" pitchFamily="34" charset="0"/>
+              </a:rPr>
+              <a:t> </a:t>
+            </a:r>
+            <a:r>
+              <a:rPr lang="en-US" sz="2000" dirty="0" err="1" smtClean="0">
+                <a:latin typeface="Arial" panose="020B0604020202020204" pitchFamily="34" charset="0"/>
+                <a:cs typeface="Arial" panose="020B0604020202020204" pitchFamily="34" charset="0"/>
+              </a:rPr>
+              <a:t>dạng</a:t>
+            </a:r>
+            <a:r>
+              <a:rPr lang="en-US" sz="2000" dirty="0" smtClean="0">
+                <a:latin typeface="Arial" panose="020B0604020202020204" pitchFamily="34" charset="0"/>
+                <a:cs typeface="Arial" panose="020B0604020202020204" pitchFamily="34" charset="0"/>
+              </a:rPr>
+              <a:t> NRZ:</a:t>
+            </a:r>
+          </a:p>
+          <a:p>
+            <a:endParaRPr lang="en-US" sz="2000" dirty="0">
+              <a:latin typeface="Arial" panose="020B0604020202020204" pitchFamily="34" charset="0"/>
+              <a:cs typeface="Arial" panose="020B0604020202020204" pitchFamily="34" charset="0"/>
+            </a:endParaRPr>
+          </a:p>
+        </p:txBody>
+      </p:sp>
+      <p:pic>
+        <p:nvPicPr>
+          <p:cNvPr id="10" name="Picture 9"/>
+          <p:cNvPicPr>
+            <a:picLocks noChangeAspect="1"/>
+          </p:cNvPicPr>
+          <p:nvPr/>
+        </p:nvPicPr>
+        <p:blipFill>
+          <a:blip r:embed="rId5"/>
+          <a:stretch>
+            <a:fillRect/>
+          </a:stretch>
+        </p:blipFill>
+        <p:spPr>
+          <a:xfrm>
+            <a:off x="0" y="4731921"/>
+            <a:ext cx="3874854" cy="994206"/>
+          </a:xfrm>
+          <a:prstGeom prst="rect">
+            <a:avLst/>
+          </a:prstGeom>
+        </p:spPr>
+      </p:pic>
+      <p:pic>
+        <p:nvPicPr>
+          <p:cNvPr id="13" name="Picture 12"/>
+          <p:cNvPicPr>
+            <a:picLocks noChangeAspect="1"/>
+          </p:cNvPicPr>
+          <p:nvPr/>
+        </p:nvPicPr>
+        <p:blipFill>
+          <a:blip r:embed="rId6"/>
+          <a:stretch>
+            <a:fillRect/>
+          </a:stretch>
+        </p:blipFill>
+        <p:spPr>
+          <a:xfrm>
+            <a:off x="5361484" y="1494293"/>
+            <a:ext cx="6790293" cy="2474087"/>
+          </a:xfrm>
+          <a:prstGeom prst="rect">
+            <a:avLst/>
+          </a:prstGeom>
+        </p:spPr>
+      </p:pic>
+      <p:sp>
+        <p:nvSpPr>
+          <p:cNvPr id="14" name="TextBox 13"/>
+          <p:cNvSpPr txBox="1"/>
+          <p:nvPr/>
+        </p:nvSpPr>
+        <p:spPr>
+          <a:xfrm>
+            <a:off x="7637451" y="4367825"/>
+            <a:ext cx="3312543" cy="400110"/>
+          </a:xfrm>
+          <a:prstGeom prst="rect">
+            <a:avLst/>
+          </a:prstGeom>
+          <a:noFill/>
+        </p:spPr>
+        <p:txBody>
+          <a:bodyPr wrap="square" rtlCol="0">
+            <a:spAutoFit/>
+          </a:bodyPr>
+          <a:lstStyle/>
+          <a:p>
+            <a:pPr algn="ctr"/>
+            <a:r>
+              <a:rPr lang="en-US" sz="2000" dirty="0" smtClean="0">
+                <a:latin typeface="Arial" panose="020B0604020202020204" pitchFamily="34" charset="0"/>
+                <a:cs typeface="Arial" panose="020B0604020202020204" pitchFamily="34" charset="0"/>
+              </a:rPr>
+              <a:t>Differential encoding</a:t>
+            </a:r>
+            <a:endParaRPr lang="en-US" sz="2000" dirty="0">
+              <a:latin typeface="Arial" panose="020B0604020202020204" pitchFamily="34" charset="0"/>
+              <a:cs typeface="Arial" panose="020B0604020202020204" pitchFamily="34" charset="0"/>
+            </a:endParaRPr>
+          </a:p>
+        </p:txBody>
+      </p:sp>
+      <p:sp>
+        <p:nvSpPr>
+          <p:cNvPr id="16" name="Date Placeholder 15"/>
+          <p:cNvSpPr>
+            <a:spLocks noGrp="1"/>
+          </p:cNvSpPr>
+          <p:nvPr>
+            <p:ph type="dt" sz="half" idx="10"/>
+          </p:nvPr>
+        </p:nvSpPr>
+        <p:spPr/>
+        <p:txBody>
+          <a:bodyPr/>
+          <a:lstStyle/>
+          <a:p>
+            <a:fld id="{435F23C5-AAA0-4342-88D4-1CF26B056BEB}" type="datetime1">
+              <a:rPr lang="en-US" smtClean="0"/>
+              <a:t>3/31/2020</a:t>
+            </a:fld>
+            <a:endParaRPr lang="en-US"/>
+          </a:p>
+        </p:txBody>
+      </p:sp>
+      <p:sp>
+        <p:nvSpPr>
+          <p:cNvPr id="17" name="Slide Number Placeholder 16"/>
+          <p:cNvSpPr>
+            <a:spLocks noGrp="1"/>
+          </p:cNvSpPr>
+          <p:nvPr>
+            <p:ph type="sldNum" sz="quarter" idx="12"/>
+          </p:nvPr>
+        </p:nvSpPr>
+        <p:spPr/>
+        <p:txBody>
+          <a:bodyPr/>
+          <a:lstStyle/>
+          <a:p>
+            <a:fld id="{506926C6-3DD3-4E5E-AE57-DE843B60E5AD}" type="slidenum">
+              <a:rPr lang="en-US" smtClean="0"/>
+              <a:t>9</a:t>
+            </a:fld>
+            <a:endParaRPr lang="en-US"/>
+          </a:p>
+        </p:txBody>
+      </p:sp>
+    </p:spTree>
+    <p:extLst>
+      <p:ext uri="{BB962C8B-B14F-4D97-AF65-F5344CB8AC3E}">
+        <p14:creationId xmlns:p14="http://schemas.microsoft.com/office/powerpoint/2010/main" val="1760765922"/>
       </p:ext>
     </p:extLst>
   </p:cSld>
